--- a/kikaku_3_discord内のプレゼン/7月17日/格闘ゲーム×育成.pptx
+++ b/kikaku_3_discord内のプレゼン/7月17日/格闘ゲーム×育成.pptx
@@ -5,12 +5,13 @@
     <p:sldMasterId id="2147483648" r:id="rId1"/>
   </p:sldMasterIdLst>
   <p:notesMasterIdLst>
-    <p:notesMasterId r:id="rId5"/>
+    <p:notesMasterId r:id="rId6"/>
   </p:notesMasterIdLst>
   <p:sldIdLst>
     <p:sldId id="256" r:id="rId2"/>
-    <p:sldId id="257" r:id="rId3"/>
-    <p:sldId id="258" r:id="rId4"/>
+    <p:sldId id="259" r:id="rId3"/>
+    <p:sldId id="257" r:id="rId4"/>
+    <p:sldId id="258" r:id="rId5"/>
   </p:sldIdLst>
   <p:sldSz cx="12192000" cy="6858000"/>
   <p:notesSz cx="6858000" cy="9144000"/>
@@ -199,7 +200,7 @@
           <a:p>
             <a:fld id="{329A593A-E595-4309-8573-FD9F78107204}" type="datetimeFigureOut">
               <a:rPr kumimoji="1" lang="ja-JP" altLang="en-US" smtClean="0"/>
-              <a:t>2023/8/12</a:t>
+              <a:t>2023/8/16</a:t>
             </a:fld>
             <a:endParaRPr kumimoji="1" lang="ja-JP" altLang="en-US"/>
           </a:p>
@@ -729,7 +730,7 @@
           <a:p>
             <a:fld id="{9BB07443-AEB1-4664-9E55-6F2729A80A57}" type="datetimeFigureOut">
               <a:rPr kumimoji="1" lang="ja-JP" altLang="en-US" smtClean="0"/>
-              <a:t>2023/8/12</a:t>
+              <a:t>2023/8/16</a:t>
             </a:fld>
             <a:endParaRPr kumimoji="1" lang="ja-JP" altLang="en-US"/>
           </a:p>
@@ -959,7 +960,7 @@
           <a:p>
             <a:fld id="{9BB07443-AEB1-4664-9E55-6F2729A80A57}" type="datetimeFigureOut">
               <a:rPr kumimoji="1" lang="ja-JP" altLang="en-US" smtClean="0"/>
-              <a:t>2023/8/12</a:t>
+              <a:t>2023/8/16</a:t>
             </a:fld>
             <a:endParaRPr kumimoji="1" lang="ja-JP" altLang="en-US"/>
           </a:p>
@@ -1199,7 +1200,7 @@
           <a:p>
             <a:fld id="{9BB07443-AEB1-4664-9E55-6F2729A80A57}" type="datetimeFigureOut">
               <a:rPr kumimoji="1" lang="ja-JP" altLang="en-US" smtClean="0"/>
-              <a:t>2023/8/12</a:t>
+              <a:t>2023/8/16</a:t>
             </a:fld>
             <a:endParaRPr kumimoji="1" lang="ja-JP" altLang="en-US"/>
           </a:p>
@@ -1429,7 +1430,7 @@
           <a:p>
             <a:fld id="{9BB07443-AEB1-4664-9E55-6F2729A80A57}" type="datetimeFigureOut">
               <a:rPr kumimoji="1" lang="ja-JP" altLang="en-US" smtClean="0"/>
-              <a:t>2023/8/12</a:t>
+              <a:t>2023/8/16</a:t>
             </a:fld>
             <a:endParaRPr kumimoji="1" lang="ja-JP" altLang="en-US"/>
           </a:p>
@@ -1704,7 +1705,7 @@
           <a:p>
             <a:fld id="{9BB07443-AEB1-4664-9E55-6F2729A80A57}" type="datetimeFigureOut">
               <a:rPr kumimoji="1" lang="ja-JP" altLang="en-US" smtClean="0"/>
-              <a:t>2023/8/12</a:t>
+              <a:t>2023/8/16</a:t>
             </a:fld>
             <a:endParaRPr kumimoji="1" lang="ja-JP" altLang="en-US"/>
           </a:p>
@@ -2033,7 +2034,7 @@
           <a:p>
             <a:fld id="{9BB07443-AEB1-4664-9E55-6F2729A80A57}" type="datetimeFigureOut">
               <a:rPr kumimoji="1" lang="ja-JP" altLang="en-US" smtClean="0"/>
-              <a:t>2023/8/12</a:t>
+              <a:t>2023/8/16</a:t>
             </a:fld>
             <a:endParaRPr kumimoji="1" lang="ja-JP" altLang="en-US"/>
           </a:p>
@@ -2509,7 +2510,7 @@
           <a:p>
             <a:fld id="{9BB07443-AEB1-4664-9E55-6F2729A80A57}" type="datetimeFigureOut">
               <a:rPr kumimoji="1" lang="ja-JP" altLang="en-US" smtClean="0"/>
-              <a:t>2023/8/12</a:t>
+              <a:t>2023/8/16</a:t>
             </a:fld>
             <a:endParaRPr kumimoji="1" lang="ja-JP" altLang="en-US"/>
           </a:p>
@@ -2650,7 +2651,7 @@
           <a:p>
             <a:fld id="{9BB07443-AEB1-4664-9E55-6F2729A80A57}" type="datetimeFigureOut">
               <a:rPr kumimoji="1" lang="ja-JP" altLang="en-US" smtClean="0"/>
-              <a:t>2023/8/12</a:t>
+              <a:t>2023/8/16</a:t>
             </a:fld>
             <a:endParaRPr kumimoji="1" lang="ja-JP" altLang="en-US"/>
           </a:p>
@@ -2763,7 +2764,7 @@
           <a:p>
             <a:fld id="{9BB07443-AEB1-4664-9E55-6F2729A80A57}" type="datetimeFigureOut">
               <a:rPr kumimoji="1" lang="ja-JP" altLang="en-US" smtClean="0"/>
-              <a:t>2023/8/12</a:t>
+              <a:t>2023/8/16</a:t>
             </a:fld>
             <a:endParaRPr kumimoji="1" lang="ja-JP" altLang="en-US"/>
           </a:p>
@@ -3106,7 +3107,7 @@
           <a:p>
             <a:fld id="{9BB07443-AEB1-4664-9E55-6F2729A80A57}" type="datetimeFigureOut">
               <a:rPr kumimoji="1" lang="ja-JP" altLang="en-US" smtClean="0"/>
-              <a:t>2023/8/12</a:t>
+              <a:t>2023/8/16</a:t>
             </a:fld>
             <a:endParaRPr kumimoji="1" lang="ja-JP" altLang="en-US"/>
           </a:p>
@@ -3394,7 +3395,7 @@
           <a:p>
             <a:fld id="{9BB07443-AEB1-4664-9E55-6F2729A80A57}" type="datetimeFigureOut">
               <a:rPr kumimoji="1" lang="ja-JP" altLang="en-US" smtClean="0"/>
-              <a:t>2023/8/12</a:t>
+              <a:t>2023/8/16</a:t>
             </a:fld>
             <a:endParaRPr kumimoji="1" lang="ja-JP" altLang="en-US"/>
           </a:p>
@@ -3667,7 +3668,7 @@
           <a:p>
             <a:fld id="{9BB07443-AEB1-4664-9E55-6F2729A80A57}" type="datetimeFigureOut">
               <a:rPr kumimoji="1" lang="ja-JP" altLang="en-US" smtClean="0"/>
-              <a:t>2023/8/12</a:t>
+              <a:t>2023/8/16</a:t>
             </a:fld>
             <a:endParaRPr kumimoji="1" lang="ja-JP" altLang="en-US"/>
           </a:p>
@@ -4290,13 +4291,13 @@
   <p:clrMapOvr>
     <a:masterClrMapping/>
   </p:clrMapOvr>
-  <mc:AlternateContent xmlns:mc="http://schemas.openxmlformats.org/markup-compatibility/2006">
-    <mc:Choice xmlns:p159="http://schemas.microsoft.com/office/powerpoint/2015/09/main" Requires="p159">
+  <mc:AlternateContent xmlns:mc="http://schemas.openxmlformats.org/markup-compatibility/2006" xmlns:p159="http://schemas.microsoft.com/office/powerpoint/2015/09/main">
+    <mc:Choice Requires="p159">
       <p:transition xmlns:p14="http://schemas.microsoft.com/office/powerpoint/2010/main" spd="slow" p14:dur="2000">
         <p159:morph option="byObject"/>
       </p:transition>
     </mc:Choice>
-    <mc:Fallback>
+    <mc:Fallback xmlns="">
       <p:transition spd="slow">
         <p:fade/>
       </p:transition>
@@ -4627,6 +4628,2539 @@
           <a:chExt cx="0" cy="0"/>
         </a:xfrm>
       </p:grpSpPr>
+      <p:pic>
+        <p:nvPicPr>
+          <p:cNvPr id="5" name="図 4">
+            <a:extLst>
+              <a:ext uri="{FF2B5EF4-FFF2-40B4-BE49-F238E27FC236}">
+                <a16:creationId xmlns:a16="http://schemas.microsoft.com/office/drawing/2014/main" id="{99D9BB23-ACF4-47F1-88D4-6CC003573D30}"/>
+              </a:ext>
+            </a:extLst>
+          </p:cNvPr>
+          <p:cNvPicPr>
+            <a:picLocks noChangeAspect="1"/>
+          </p:cNvPicPr>
+          <p:nvPr/>
+        </p:nvPicPr>
+        <p:blipFill>
+          <a:blip r:embed="rId2">
+            <a:extLst>
+              <a:ext uri="{28A0092B-C50C-407E-A947-70E740481C1C}">
+                <a14:useLocalDpi xmlns:a14="http://schemas.microsoft.com/office/drawing/2010/main" val="0"/>
+              </a:ext>
+            </a:extLst>
+          </a:blip>
+          <a:stretch>
+            <a:fillRect/>
+          </a:stretch>
+        </p:blipFill>
+        <p:spPr>
+          <a:xfrm>
+            <a:off x="1892833" y="0"/>
+            <a:ext cx="2656096" cy="1993537"/>
+          </a:xfrm>
+          <a:prstGeom prst="rect">
+            <a:avLst/>
+          </a:prstGeom>
+        </p:spPr>
+      </p:pic>
+      <p:sp>
+        <p:nvSpPr>
+          <p:cNvPr id="13" name="テキスト ボックス 12">
+            <a:extLst>
+              <a:ext uri="{FF2B5EF4-FFF2-40B4-BE49-F238E27FC236}">
+                <a16:creationId xmlns:a16="http://schemas.microsoft.com/office/drawing/2014/main" id="{89F1F233-EFF1-4080-AB3B-373F3382109F}"/>
+              </a:ext>
+            </a:extLst>
+          </p:cNvPr>
+          <p:cNvSpPr txBox="1"/>
+          <p:nvPr/>
+        </p:nvSpPr>
+        <p:spPr>
+          <a:xfrm>
+            <a:off x="83127" y="1819564"/>
+            <a:ext cx="2733964" cy="646331"/>
+          </a:xfrm>
+          <a:prstGeom prst="rect">
+            <a:avLst/>
+          </a:prstGeom>
+          <a:noFill/>
+        </p:spPr>
+        <p:txBody>
+          <a:bodyPr wrap="square" rtlCol="0">
+            <a:spAutoFit/>
+          </a:bodyPr>
+          <a:lstStyle/>
+          <a:p>
+            <a:r>
+              <a:rPr kumimoji="1" lang="ja-JP" altLang="en-US" dirty="0"/>
+              <a:t>最初の貴方（主人公）は弱いです</a:t>
+            </a:r>
+            <a:r>
+              <a:rPr kumimoji="1" lang="en-US" altLang="ja-JP" dirty="0"/>
+              <a:t>…</a:t>
+            </a:r>
+            <a:endParaRPr kumimoji="1" lang="ja-JP" altLang="en-US" dirty="0"/>
+          </a:p>
+        </p:txBody>
+      </p:sp>
+      <p:cxnSp>
+        <p:nvCxnSpPr>
+          <p:cNvPr id="15" name="直線矢印コネクタ 14">
+            <a:extLst>
+              <a:ext uri="{FF2B5EF4-FFF2-40B4-BE49-F238E27FC236}">
+                <a16:creationId xmlns:a16="http://schemas.microsoft.com/office/drawing/2014/main" id="{DE8A7A61-6AA3-4A37-9209-B4E83A1152A2}"/>
+              </a:ext>
+            </a:extLst>
+          </p:cNvPr>
+          <p:cNvCxnSpPr>
+            <a:cxnSpLocks/>
+          </p:cNvCxnSpPr>
+          <p:nvPr/>
+        </p:nvCxnSpPr>
+        <p:spPr>
+          <a:xfrm>
+            <a:off x="4304145" y="1306943"/>
+            <a:ext cx="1403928" cy="27712"/>
+          </a:xfrm>
+          <a:prstGeom prst="straightConnector1">
+            <a:avLst/>
+          </a:prstGeom>
+          <a:ln w="76200">
+            <a:solidFill>
+              <a:schemeClr val="tx1"/>
+            </a:solidFill>
+            <a:tailEnd type="triangle"/>
+          </a:ln>
+        </p:spPr>
+        <p:style>
+          <a:lnRef idx="1">
+            <a:schemeClr val="accent1"/>
+          </a:lnRef>
+          <a:fillRef idx="0">
+            <a:schemeClr val="accent1"/>
+          </a:fillRef>
+          <a:effectRef idx="0">
+            <a:schemeClr val="accent1"/>
+          </a:effectRef>
+          <a:fontRef idx="minor">
+            <a:schemeClr val="tx1"/>
+          </a:fontRef>
+        </p:style>
+      </p:cxnSp>
+      <p:pic>
+        <p:nvPicPr>
+          <p:cNvPr id="18" name="図 17">
+            <a:extLst>
+              <a:ext uri="{FF2B5EF4-FFF2-40B4-BE49-F238E27FC236}">
+                <a16:creationId xmlns:a16="http://schemas.microsoft.com/office/drawing/2014/main" id="{5A16E7CD-6039-458E-81DD-AAA6ED25DB22}"/>
+              </a:ext>
+            </a:extLst>
+          </p:cNvPr>
+          <p:cNvPicPr>
+            <a:picLocks noChangeAspect="1"/>
+          </p:cNvPicPr>
+          <p:nvPr/>
+        </p:nvPicPr>
+        <p:blipFill>
+          <a:blip r:embed="rId3">
+            <a:clrChange>
+              <a:clrFrom>
+                <a:srgbClr val="FDFFFE"/>
+              </a:clrFrom>
+              <a:clrTo>
+                <a:srgbClr val="FDFFFE">
+                  <a:alpha val="0"/>
+                </a:srgbClr>
+              </a:clrTo>
+            </a:clrChange>
+            <a:extLst>
+              <a:ext uri="{28A0092B-C50C-407E-A947-70E740481C1C}">
+                <a14:useLocalDpi xmlns:a14="http://schemas.microsoft.com/office/drawing/2010/main" val="0"/>
+              </a:ext>
+            </a:extLst>
+          </a:blip>
+          <a:stretch>
+            <a:fillRect/>
+          </a:stretch>
+        </p:blipFill>
+        <p:spPr>
+          <a:xfrm>
+            <a:off x="6196734" y="64653"/>
+            <a:ext cx="4324350" cy="3238500"/>
+          </a:xfrm>
+          <a:prstGeom prst="rect">
+            <a:avLst/>
+          </a:prstGeom>
+        </p:spPr>
+      </p:pic>
+      <p:sp>
+        <p:nvSpPr>
+          <p:cNvPr id="19" name="テキスト ボックス 18">
+            <a:extLst>
+              <a:ext uri="{FF2B5EF4-FFF2-40B4-BE49-F238E27FC236}">
+                <a16:creationId xmlns:a16="http://schemas.microsoft.com/office/drawing/2014/main" id="{9C7447EF-3FCE-4862-B454-C669F535C6E1}"/>
+              </a:ext>
+            </a:extLst>
+          </p:cNvPr>
+          <p:cNvSpPr txBox="1"/>
+          <p:nvPr/>
+        </p:nvSpPr>
+        <p:spPr>
+          <a:xfrm>
+            <a:off x="8358909" y="2382982"/>
+            <a:ext cx="3833091" cy="646331"/>
+          </a:xfrm>
+          <a:prstGeom prst="rect">
+            <a:avLst/>
+          </a:prstGeom>
+          <a:noFill/>
+        </p:spPr>
+        <p:txBody>
+          <a:bodyPr wrap="square" rtlCol="0">
+            <a:spAutoFit/>
+          </a:bodyPr>
+          <a:lstStyle/>
+          <a:p>
+            <a:r>
+              <a:rPr kumimoji="1" lang="ja-JP" altLang="en-US" dirty="0"/>
+              <a:t>当然、バトルでは負けてしまいます。</a:t>
+            </a:r>
+          </a:p>
+        </p:txBody>
+      </p:sp>
+      <p:pic>
+        <p:nvPicPr>
+          <p:cNvPr id="21" name="図 20">
+            <a:extLst>
+              <a:ext uri="{FF2B5EF4-FFF2-40B4-BE49-F238E27FC236}">
+                <a16:creationId xmlns:a16="http://schemas.microsoft.com/office/drawing/2014/main" id="{75A103F3-CD9C-408C-BD76-4AB66DD11EAD}"/>
+              </a:ext>
+            </a:extLst>
+          </p:cNvPr>
+          <p:cNvPicPr>
+            <a:picLocks noChangeAspect="1"/>
+          </p:cNvPicPr>
+          <p:nvPr/>
+        </p:nvPicPr>
+        <p:blipFill>
+          <a:blip r:embed="rId4">
+            <a:extLst>
+              <a:ext uri="{28A0092B-C50C-407E-A947-70E740481C1C}">
+                <a14:useLocalDpi xmlns:a14="http://schemas.microsoft.com/office/drawing/2010/main" val="0"/>
+              </a:ext>
+            </a:extLst>
+          </a:blip>
+          <a:stretch>
+            <a:fillRect/>
+          </a:stretch>
+        </p:blipFill>
+        <p:spPr>
+          <a:xfrm>
+            <a:off x="-118471" y="2262907"/>
+            <a:ext cx="3124677" cy="3429000"/>
+          </a:xfrm>
+          <a:prstGeom prst="rect">
+            <a:avLst/>
+          </a:prstGeom>
+        </p:spPr>
+      </p:pic>
+      <p:pic>
+        <p:nvPicPr>
+          <p:cNvPr id="23" name="図 22">
+            <a:extLst>
+              <a:ext uri="{FF2B5EF4-FFF2-40B4-BE49-F238E27FC236}">
+                <a16:creationId xmlns:a16="http://schemas.microsoft.com/office/drawing/2014/main" id="{62D965CE-8292-4C87-8C71-29CD2FD825EC}"/>
+              </a:ext>
+            </a:extLst>
+          </p:cNvPr>
+          <p:cNvPicPr>
+            <a:picLocks noChangeAspect="1"/>
+          </p:cNvPicPr>
+          <p:nvPr/>
+        </p:nvPicPr>
+        <p:blipFill rotWithShape="1">
+          <a:blip r:embed="rId5">
+            <a:clrChange>
+              <a:clrFrom>
+                <a:srgbClr val="FFFFFF"/>
+              </a:clrFrom>
+              <a:clrTo>
+                <a:srgbClr val="FFFFFF">
+                  <a:alpha val="0"/>
+                </a:srgbClr>
+              </a:clrTo>
+            </a:clrChange>
+            <a:extLst>
+              <a:ext uri="{28A0092B-C50C-407E-A947-70E740481C1C}">
+                <a14:useLocalDpi xmlns:a14="http://schemas.microsoft.com/office/drawing/2010/main" val="0"/>
+              </a:ext>
+            </a:extLst>
+          </a:blip>
+          <a:srcRect b="12879"/>
+          <a:stretch/>
+        </p:blipFill>
+        <p:spPr>
+          <a:xfrm>
+            <a:off x="720436" y="3000300"/>
+            <a:ext cx="3217705" cy="2803303"/>
+          </a:xfrm>
+          <a:prstGeom prst="rect">
+            <a:avLst/>
+          </a:prstGeom>
+        </p:spPr>
+      </p:pic>
+      <p:sp>
+        <p:nvSpPr>
+          <p:cNvPr id="24" name="テキスト ボックス 23">
+            <a:extLst>
+              <a:ext uri="{FF2B5EF4-FFF2-40B4-BE49-F238E27FC236}">
+                <a16:creationId xmlns:a16="http://schemas.microsoft.com/office/drawing/2014/main" id="{F84FF528-6019-4B0D-8FCB-16EED9314BA7}"/>
+              </a:ext>
+            </a:extLst>
+          </p:cNvPr>
+          <p:cNvSpPr txBox="1"/>
+          <p:nvPr/>
+        </p:nvSpPr>
+        <p:spPr>
+          <a:xfrm>
+            <a:off x="240145" y="5691907"/>
+            <a:ext cx="4064000" cy="923330"/>
+          </a:xfrm>
+          <a:prstGeom prst="rect">
+            <a:avLst/>
+          </a:prstGeom>
+          <a:noFill/>
+        </p:spPr>
+        <p:txBody>
+          <a:bodyPr wrap="square" rtlCol="0">
+            <a:spAutoFit/>
+          </a:bodyPr>
+          <a:lstStyle/>
+          <a:p>
+            <a:r>
+              <a:rPr kumimoji="1" lang="ja-JP" altLang="en-US" dirty="0"/>
+              <a:t>しかし、諦めてはいけません。</a:t>
+            </a:r>
+            <a:endParaRPr kumimoji="1" lang="en-US" altLang="ja-JP" dirty="0"/>
+          </a:p>
+          <a:p>
+            <a:r>
+              <a:rPr lang="ja-JP" altLang="en-US" dirty="0"/>
+              <a:t>修行（トレーニング）すれば自分を強くできます。</a:t>
+            </a:r>
+            <a:endParaRPr kumimoji="1" lang="ja-JP" altLang="en-US" dirty="0"/>
+          </a:p>
+        </p:txBody>
+      </p:sp>
+      <p:sp>
+        <p:nvSpPr>
+          <p:cNvPr id="35" name="正方形/長方形 34">
+            <a:extLst>
+              <a:ext uri="{FF2B5EF4-FFF2-40B4-BE49-F238E27FC236}">
+                <a16:creationId xmlns:a16="http://schemas.microsoft.com/office/drawing/2014/main" id="{6AFB9D8B-A10E-4901-AF8B-30810CA6B2D4}"/>
+              </a:ext>
+            </a:extLst>
+          </p:cNvPr>
+          <p:cNvSpPr/>
+          <p:nvPr/>
+        </p:nvSpPr>
+        <p:spPr>
+          <a:xfrm>
+            <a:off x="357264" y="400520"/>
+            <a:ext cx="526472" cy="249381"/>
+          </a:xfrm>
+          <a:prstGeom prst="rect">
+            <a:avLst/>
+          </a:prstGeom>
+          <a:solidFill>
+            <a:srgbClr val="FFFFFF"/>
+          </a:solidFill>
+          <a:ln>
+            <a:noFill/>
+          </a:ln>
+        </p:spPr>
+        <p:style>
+          <a:lnRef idx="2">
+            <a:schemeClr val="accent1">
+              <a:shade val="50000"/>
+            </a:schemeClr>
+          </a:lnRef>
+          <a:fillRef idx="1">
+            <a:schemeClr val="accent1"/>
+          </a:fillRef>
+          <a:effectRef idx="0">
+            <a:schemeClr val="accent1"/>
+          </a:effectRef>
+          <a:fontRef idx="minor">
+            <a:schemeClr val="lt1"/>
+          </a:fontRef>
+        </p:style>
+        <p:txBody>
+          <a:bodyPr rtlCol="0" anchor="ctr"/>
+          <a:lstStyle/>
+          <a:p>
+            <a:pPr algn="ctr"/>
+            <a:endParaRPr kumimoji="1" lang="ja-JP" altLang="en-US"/>
+          </a:p>
+        </p:txBody>
+      </p:sp>
+      <p:sp>
+        <p:nvSpPr>
+          <p:cNvPr id="36" name="正方形/長方形 35">
+            <a:extLst>
+              <a:ext uri="{FF2B5EF4-FFF2-40B4-BE49-F238E27FC236}">
+                <a16:creationId xmlns:a16="http://schemas.microsoft.com/office/drawing/2014/main" id="{5C4276C4-0D8E-4B59-8110-BBAD9C4C075A}"/>
+              </a:ext>
+            </a:extLst>
+          </p:cNvPr>
+          <p:cNvSpPr/>
+          <p:nvPr/>
+        </p:nvSpPr>
+        <p:spPr>
+          <a:xfrm>
+            <a:off x="3714620" y="4762476"/>
+            <a:ext cx="526472" cy="249381"/>
+          </a:xfrm>
+          <a:prstGeom prst="rect">
+            <a:avLst/>
+          </a:prstGeom>
+          <a:solidFill>
+            <a:srgbClr val="FFFFFF"/>
+          </a:solidFill>
+          <a:ln>
+            <a:noFill/>
+          </a:ln>
+        </p:spPr>
+        <p:style>
+          <a:lnRef idx="2">
+            <a:schemeClr val="accent1">
+              <a:shade val="50000"/>
+            </a:schemeClr>
+          </a:lnRef>
+          <a:fillRef idx="1">
+            <a:schemeClr val="accent1"/>
+          </a:fillRef>
+          <a:effectRef idx="0">
+            <a:schemeClr val="accent1"/>
+          </a:effectRef>
+          <a:fontRef idx="minor">
+            <a:schemeClr val="lt1"/>
+          </a:fontRef>
+        </p:style>
+        <p:txBody>
+          <a:bodyPr rtlCol="0" anchor="ctr"/>
+          <a:lstStyle/>
+          <a:p>
+            <a:pPr algn="ctr"/>
+            <a:endParaRPr kumimoji="1" lang="ja-JP" altLang="en-US"/>
+          </a:p>
+        </p:txBody>
+      </p:sp>
+      <p:cxnSp>
+        <p:nvCxnSpPr>
+          <p:cNvPr id="39" name="直線矢印コネクタ 38">
+            <a:extLst>
+              <a:ext uri="{FF2B5EF4-FFF2-40B4-BE49-F238E27FC236}">
+                <a16:creationId xmlns:a16="http://schemas.microsoft.com/office/drawing/2014/main" id="{EB8045C2-A607-4C0C-A6D8-82ADC36B262F}"/>
+              </a:ext>
+            </a:extLst>
+          </p:cNvPr>
+          <p:cNvCxnSpPr>
+            <a:cxnSpLocks/>
+          </p:cNvCxnSpPr>
+          <p:nvPr/>
+        </p:nvCxnSpPr>
+        <p:spPr>
+          <a:xfrm flipH="1">
+            <a:off x="3629891" y="1947954"/>
+            <a:ext cx="2362955" cy="1481046"/>
+          </a:xfrm>
+          <a:prstGeom prst="straightConnector1">
+            <a:avLst/>
+          </a:prstGeom>
+          <a:ln w="76200">
+            <a:solidFill>
+              <a:schemeClr val="tx1"/>
+            </a:solidFill>
+            <a:tailEnd type="triangle"/>
+          </a:ln>
+        </p:spPr>
+        <p:style>
+          <a:lnRef idx="1">
+            <a:schemeClr val="accent1"/>
+          </a:lnRef>
+          <a:fillRef idx="0">
+            <a:schemeClr val="accent1"/>
+          </a:fillRef>
+          <a:effectRef idx="0">
+            <a:schemeClr val="accent1"/>
+          </a:effectRef>
+          <a:fontRef idx="minor">
+            <a:schemeClr val="tx1"/>
+          </a:fontRef>
+        </p:style>
+      </p:cxnSp>
+      <p:pic>
+        <p:nvPicPr>
+          <p:cNvPr id="44" name="図 43">
+            <a:extLst>
+              <a:ext uri="{FF2B5EF4-FFF2-40B4-BE49-F238E27FC236}">
+                <a16:creationId xmlns:a16="http://schemas.microsoft.com/office/drawing/2014/main" id="{F8041927-4832-45C5-8D88-8CC356EE0046}"/>
+              </a:ext>
+            </a:extLst>
+          </p:cNvPr>
+          <p:cNvPicPr>
+            <a:picLocks noChangeAspect="1"/>
+          </p:cNvPicPr>
+          <p:nvPr/>
+        </p:nvPicPr>
+        <p:blipFill>
+          <a:blip r:embed="rId6">
+            <a:extLst>
+              <a:ext uri="{28A0092B-C50C-407E-A947-70E740481C1C}">
+                <a14:useLocalDpi xmlns:a14="http://schemas.microsoft.com/office/drawing/2010/main" val="0"/>
+              </a:ext>
+            </a:extLst>
+          </a:blip>
+          <a:stretch>
+            <a:fillRect/>
+          </a:stretch>
+        </p:blipFill>
+        <p:spPr>
+          <a:xfrm>
+            <a:off x="8561281" y="4135498"/>
+            <a:ext cx="1883538" cy="2265910"/>
+          </a:xfrm>
+          <a:prstGeom prst="rect">
+            <a:avLst/>
+          </a:prstGeom>
+        </p:spPr>
+      </p:pic>
+      <p:pic>
+        <p:nvPicPr>
+          <p:cNvPr id="46" name="図 45">
+            <a:extLst>
+              <a:ext uri="{FF2B5EF4-FFF2-40B4-BE49-F238E27FC236}">
+                <a16:creationId xmlns:a16="http://schemas.microsoft.com/office/drawing/2014/main" id="{D48FD05F-968A-4BA2-898E-B197D60FFD2A}"/>
+              </a:ext>
+            </a:extLst>
+          </p:cNvPr>
+          <p:cNvPicPr>
+            <a:picLocks noChangeAspect="1"/>
+          </p:cNvPicPr>
+          <p:nvPr/>
+        </p:nvPicPr>
+        <p:blipFill>
+          <a:blip r:embed="rId7">
+            <a:extLst>
+              <a:ext uri="{28A0092B-C50C-407E-A947-70E740481C1C}">
+                <a14:useLocalDpi xmlns:a14="http://schemas.microsoft.com/office/drawing/2010/main" val="0"/>
+              </a:ext>
+            </a:extLst>
+          </a:blip>
+          <a:stretch>
+            <a:fillRect/>
+          </a:stretch>
+        </p:blipFill>
+        <p:spPr>
+          <a:xfrm>
+            <a:off x="9950552" y="2899173"/>
+            <a:ext cx="1883538" cy="1883538"/>
+          </a:xfrm>
+          <a:prstGeom prst="rect">
+            <a:avLst/>
+          </a:prstGeom>
+        </p:spPr>
+      </p:pic>
+      <p:pic>
+        <p:nvPicPr>
+          <p:cNvPr id="48" name="図 47">
+            <a:extLst>
+              <a:ext uri="{FF2B5EF4-FFF2-40B4-BE49-F238E27FC236}">
+                <a16:creationId xmlns:a16="http://schemas.microsoft.com/office/drawing/2014/main" id="{19FA5DBD-E064-49FF-A564-2ECEA783220E}"/>
+              </a:ext>
+            </a:extLst>
+          </p:cNvPr>
+          <p:cNvPicPr>
+            <a:picLocks noChangeAspect="1"/>
+          </p:cNvPicPr>
+          <p:nvPr/>
+        </p:nvPicPr>
+        <p:blipFill>
+          <a:blip r:embed="rId8">
+            <a:extLst>
+              <a:ext uri="{28A0092B-C50C-407E-A947-70E740481C1C}">
+                <a14:useLocalDpi xmlns:a14="http://schemas.microsoft.com/office/drawing/2010/main" val="0"/>
+              </a:ext>
+            </a:extLst>
+          </a:blip>
+          <a:stretch>
+            <a:fillRect/>
+          </a:stretch>
+        </p:blipFill>
+        <p:spPr>
+          <a:xfrm>
+            <a:off x="9859220" y="4560666"/>
+            <a:ext cx="2265910" cy="2265910"/>
+          </a:xfrm>
+          <a:prstGeom prst="rect">
+            <a:avLst/>
+          </a:prstGeom>
+        </p:spPr>
+      </p:pic>
+      <p:sp>
+        <p:nvSpPr>
+          <p:cNvPr id="49" name="テキスト ボックス 48">
+            <a:extLst>
+              <a:ext uri="{FF2B5EF4-FFF2-40B4-BE49-F238E27FC236}">
+                <a16:creationId xmlns:a16="http://schemas.microsoft.com/office/drawing/2014/main" id="{2CAFA36A-E964-431B-8A57-77BE871224F2}"/>
+              </a:ext>
+            </a:extLst>
+          </p:cNvPr>
+          <p:cNvSpPr txBox="1"/>
+          <p:nvPr/>
+        </p:nvSpPr>
+        <p:spPr>
+          <a:xfrm>
+            <a:off x="6196734" y="4340200"/>
+            <a:ext cx="2134676" cy="2308324"/>
+          </a:xfrm>
+          <a:prstGeom prst="rect">
+            <a:avLst/>
+          </a:prstGeom>
+          <a:noFill/>
+        </p:spPr>
+        <p:txBody>
+          <a:bodyPr wrap="square" rtlCol="0">
+            <a:spAutoFit/>
+          </a:bodyPr>
+          <a:lstStyle/>
+          <a:p>
+            <a:r>
+              <a:rPr lang="ja-JP" altLang="en-US" dirty="0"/>
+              <a:t>修行にも種類があり、当然それぞれの修行で伸びるステータスも違います。</a:t>
+            </a:r>
+            <a:endParaRPr lang="en-US" altLang="ja-JP" dirty="0"/>
+          </a:p>
+          <a:p>
+            <a:r>
+              <a:rPr kumimoji="1" lang="ja-JP" altLang="en-US" dirty="0"/>
+              <a:t>また、時間は有限なので修行できる回数も限られます。</a:t>
+            </a:r>
+          </a:p>
+        </p:txBody>
+      </p:sp>
+      <p:pic>
+        <p:nvPicPr>
+          <p:cNvPr id="50" name="図 49">
+            <a:extLst>
+              <a:ext uri="{FF2B5EF4-FFF2-40B4-BE49-F238E27FC236}">
+                <a16:creationId xmlns:a16="http://schemas.microsoft.com/office/drawing/2014/main" id="{D90449AB-7F19-40A6-A76E-77C554C1E413}"/>
+              </a:ext>
+            </a:extLst>
+          </p:cNvPr>
+          <p:cNvPicPr>
+            <a:picLocks noChangeAspect="1"/>
+          </p:cNvPicPr>
+          <p:nvPr/>
+        </p:nvPicPr>
+        <p:blipFill>
+          <a:blip r:embed="rId9">
+            <a:clrChange>
+              <a:clrFrom>
+                <a:srgbClr val="FFFFFF"/>
+              </a:clrFrom>
+              <a:clrTo>
+                <a:srgbClr val="FFFFFF">
+                  <a:alpha val="0"/>
+                </a:srgbClr>
+              </a:clrTo>
+            </a:clrChange>
+          </a:blip>
+          <a:stretch>
+            <a:fillRect/>
+          </a:stretch>
+        </p:blipFill>
+        <p:spPr>
+          <a:xfrm>
+            <a:off x="-197674" y="4282"/>
+            <a:ext cx="3356886" cy="1888248"/>
+          </a:xfrm>
+          <a:prstGeom prst="rect">
+            <a:avLst/>
+          </a:prstGeom>
+        </p:spPr>
+      </p:pic>
+      <p:pic>
+        <p:nvPicPr>
+          <p:cNvPr id="51" name="図 50">
+            <a:extLst>
+              <a:ext uri="{FF2B5EF4-FFF2-40B4-BE49-F238E27FC236}">
+                <a16:creationId xmlns:a16="http://schemas.microsoft.com/office/drawing/2014/main" id="{43B6C576-1BA3-4638-9E05-4BE2AAC9B0E5}"/>
+              </a:ext>
+            </a:extLst>
+          </p:cNvPr>
+          <p:cNvPicPr>
+            <a:picLocks noChangeAspect="1"/>
+          </p:cNvPicPr>
+          <p:nvPr/>
+        </p:nvPicPr>
+        <p:blipFill>
+          <a:blip r:embed="rId10">
+            <a:clrChange>
+              <a:clrFrom>
+                <a:srgbClr val="FFFFFF"/>
+              </a:clrFrom>
+              <a:clrTo>
+                <a:srgbClr val="FFFFFF">
+                  <a:alpha val="0"/>
+                </a:srgbClr>
+              </a:clrTo>
+            </a:clrChange>
+          </a:blip>
+          <a:stretch>
+            <a:fillRect/>
+          </a:stretch>
+        </p:blipFill>
+        <p:spPr>
+          <a:xfrm>
+            <a:off x="3197960" y="4471608"/>
+            <a:ext cx="3219006" cy="1810691"/>
+          </a:xfrm>
+          <a:prstGeom prst="rect">
+            <a:avLst/>
+          </a:prstGeom>
+        </p:spPr>
+      </p:pic>
+    </p:spTree>
+    <p:extLst>
+      <p:ext uri="{BB962C8B-B14F-4D97-AF65-F5344CB8AC3E}">
+        <p14:creationId xmlns:p14="http://schemas.microsoft.com/office/powerpoint/2010/main" val="1955286720"/>
+      </p:ext>
+    </p:extLst>
+  </p:cSld>
+  <p:clrMapOvr>
+    <a:masterClrMapping/>
+  </p:clrMapOvr>
+  <p:transition spd="slow">
+    <p:wipe/>
+  </p:transition>
+  <p:timing>
+    <p:tnLst>
+      <p:par>
+        <p:cTn id="1" dur="indefinite" restart="never" nodeType="tmRoot">
+          <p:childTnLst>
+            <p:seq concurrent="1" nextAc="seek">
+              <p:cTn id="2" dur="indefinite" nodeType="mainSeq">
+                <p:childTnLst>
+                  <p:par>
+                    <p:cTn id="3" fill="hold">
+                      <p:stCondLst>
+                        <p:cond delay="indefinite"/>
+                      </p:stCondLst>
+                      <p:childTnLst>
+                        <p:par>
+                          <p:cTn id="4" fill="hold">
+                            <p:stCondLst>
+                              <p:cond delay="0"/>
+                            </p:stCondLst>
+                            <p:childTnLst>
+                              <p:par>
+                                <p:cTn id="5" presetID="2" presetClass="entr" presetSubtype="8" fill="hold" nodeType="clickEffect">
+                                  <p:stCondLst>
+                                    <p:cond delay="0"/>
+                                  </p:stCondLst>
+                                  <p:childTnLst>
+                                    <p:set>
+                                      <p:cBhvr>
+                                        <p:cTn id="6" dur="1" fill="hold">
+                                          <p:stCondLst>
+                                            <p:cond delay="0"/>
+                                          </p:stCondLst>
+                                        </p:cTn>
+                                        <p:tgtEl>
+                                          <p:spTgt spid="15"/>
+                                        </p:tgtEl>
+                                        <p:attrNameLst>
+                                          <p:attrName>style.visibility</p:attrName>
+                                        </p:attrNameLst>
+                                      </p:cBhvr>
+                                      <p:to>
+                                        <p:strVal val="visible"/>
+                                      </p:to>
+                                    </p:set>
+                                    <p:anim calcmode="lin" valueType="num">
+                                      <p:cBhvr additive="base">
+                                        <p:cTn id="7" dur="500" fill="hold"/>
+                                        <p:tgtEl>
+                                          <p:spTgt spid="15"/>
+                                        </p:tgtEl>
+                                        <p:attrNameLst>
+                                          <p:attrName>ppt_x</p:attrName>
+                                        </p:attrNameLst>
+                                      </p:cBhvr>
+                                      <p:tavLst>
+                                        <p:tav tm="0">
+                                          <p:val>
+                                            <p:strVal val="0-#ppt_w/2"/>
+                                          </p:val>
+                                        </p:tav>
+                                        <p:tav tm="100000">
+                                          <p:val>
+                                            <p:strVal val="#ppt_x"/>
+                                          </p:val>
+                                        </p:tav>
+                                      </p:tavLst>
+                                    </p:anim>
+                                    <p:anim calcmode="lin" valueType="num">
+                                      <p:cBhvr additive="base">
+                                        <p:cTn id="8" dur="500" fill="hold"/>
+                                        <p:tgtEl>
+                                          <p:spTgt spid="15"/>
+                                        </p:tgtEl>
+                                        <p:attrNameLst>
+                                          <p:attrName>ppt_y</p:attrName>
+                                        </p:attrNameLst>
+                                      </p:cBhvr>
+                                      <p:tavLst>
+                                        <p:tav tm="0">
+                                          <p:val>
+                                            <p:strVal val="#ppt_y"/>
+                                          </p:val>
+                                        </p:tav>
+                                        <p:tav tm="100000">
+                                          <p:val>
+                                            <p:strVal val="#ppt_y"/>
+                                          </p:val>
+                                        </p:tav>
+                                      </p:tavLst>
+                                    </p:anim>
+                                  </p:childTnLst>
+                                </p:cTn>
+                              </p:par>
+                            </p:childTnLst>
+                          </p:cTn>
+                        </p:par>
+                        <p:par>
+                          <p:cTn id="9" fill="hold">
+                            <p:stCondLst>
+                              <p:cond delay="500"/>
+                            </p:stCondLst>
+                            <p:childTnLst>
+                              <p:par>
+                                <p:cTn id="10" presetID="14" presetClass="entr" presetSubtype="10" fill="hold" nodeType="afterEffect">
+                                  <p:stCondLst>
+                                    <p:cond delay="0"/>
+                                  </p:stCondLst>
+                                  <p:childTnLst>
+                                    <p:set>
+                                      <p:cBhvr>
+                                        <p:cTn id="11" dur="1" fill="hold">
+                                          <p:stCondLst>
+                                            <p:cond delay="0"/>
+                                          </p:stCondLst>
+                                        </p:cTn>
+                                        <p:tgtEl>
+                                          <p:spTgt spid="18"/>
+                                        </p:tgtEl>
+                                        <p:attrNameLst>
+                                          <p:attrName>style.visibility</p:attrName>
+                                        </p:attrNameLst>
+                                      </p:cBhvr>
+                                      <p:to>
+                                        <p:strVal val="visible"/>
+                                      </p:to>
+                                    </p:set>
+                                    <p:animEffect transition="in" filter="randombar(horizontal)">
+                                      <p:cBhvr>
+                                        <p:cTn id="12" dur="500"/>
+                                        <p:tgtEl>
+                                          <p:spTgt spid="18"/>
+                                        </p:tgtEl>
+                                      </p:cBhvr>
+                                    </p:animEffect>
+                                  </p:childTnLst>
+                                </p:cTn>
+                              </p:par>
+                              <p:par>
+                                <p:cTn id="13" presetID="22" presetClass="entr" presetSubtype="4" fill="hold" grpId="0" nodeType="withEffect">
+                                  <p:stCondLst>
+                                    <p:cond delay="0"/>
+                                  </p:stCondLst>
+                                  <p:childTnLst>
+                                    <p:set>
+                                      <p:cBhvr>
+                                        <p:cTn id="14" dur="1" fill="hold">
+                                          <p:stCondLst>
+                                            <p:cond delay="0"/>
+                                          </p:stCondLst>
+                                        </p:cTn>
+                                        <p:tgtEl>
+                                          <p:spTgt spid="19"/>
+                                        </p:tgtEl>
+                                        <p:attrNameLst>
+                                          <p:attrName>style.visibility</p:attrName>
+                                        </p:attrNameLst>
+                                      </p:cBhvr>
+                                      <p:to>
+                                        <p:strVal val="visible"/>
+                                      </p:to>
+                                    </p:set>
+                                    <p:animEffect transition="in" filter="wipe(down)">
+                                      <p:cBhvr>
+                                        <p:cTn id="15" dur="500"/>
+                                        <p:tgtEl>
+                                          <p:spTgt spid="19"/>
+                                        </p:tgtEl>
+                                      </p:cBhvr>
+                                    </p:animEffect>
+                                  </p:childTnLst>
+                                </p:cTn>
+                              </p:par>
+                            </p:childTnLst>
+                          </p:cTn>
+                        </p:par>
+                      </p:childTnLst>
+                    </p:cTn>
+                  </p:par>
+                  <p:par>
+                    <p:cTn id="16" fill="hold">
+                      <p:stCondLst>
+                        <p:cond delay="indefinite"/>
+                      </p:stCondLst>
+                      <p:childTnLst>
+                        <p:par>
+                          <p:cTn id="17" fill="hold">
+                            <p:stCondLst>
+                              <p:cond delay="0"/>
+                            </p:stCondLst>
+                            <p:childTnLst>
+                              <p:par>
+                                <p:cTn id="18" presetID="47" presetClass="entr" presetSubtype="0" fill="hold" nodeType="clickEffect">
+                                  <p:stCondLst>
+                                    <p:cond delay="0"/>
+                                  </p:stCondLst>
+                                  <p:childTnLst>
+                                    <p:set>
+                                      <p:cBhvr>
+                                        <p:cTn id="19" dur="1" fill="hold">
+                                          <p:stCondLst>
+                                            <p:cond delay="0"/>
+                                          </p:stCondLst>
+                                        </p:cTn>
+                                        <p:tgtEl>
+                                          <p:spTgt spid="39"/>
+                                        </p:tgtEl>
+                                        <p:attrNameLst>
+                                          <p:attrName>style.visibility</p:attrName>
+                                        </p:attrNameLst>
+                                      </p:cBhvr>
+                                      <p:to>
+                                        <p:strVal val="visible"/>
+                                      </p:to>
+                                    </p:set>
+                                    <p:animEffect transition="in" filter="fade">
+                                      <p:cBhvr>
+                                        <p:cTn id="20" dur="1000"/>
+                                        <p:tgtEl>
+                                          <p:spTgt spid="39"/>
+                                        </p:tgtEl>
+                                      </p:cBhvr>
+                                    </p:animEffect>
+                                    <p:anim calcmode="lin" valueType="num">
+                                      <p:cBhvr>
+                                        <p:cTn id="21" dur="1000" fill="hold"/>
+                                        <p:tgtEl>
+                                          <p:spTgt spid="39"/>
+                                        </p:tgtEl>
+                                        <p:attrNameLst>
+                                          <p:attrName>ppt_x</p:attrName>
+                                        </p:attrNameLst>
+                                      </p:cBhvr>
+                                      <p:tavLst>
+                                        <p:tav tm="0">
+                                          <p:val>
+                                            <p:strVal val="#ppt_x"/>
+                                          </p:val>
+                                        </p:tav>
+                                        <p:tav tm="100000">
+                                          <p:val>
+                                            <p:strVal val="#ppt_x"/>
+                                          </p:val>
+                                        </p:tav>
+                                      </p:tavLst>
+                                    </p:anim>
+                                    <p:anim calcmode="lin" valueType="num">
+                                      <p:cBhvr>
+                                        <p:cTn id="22" dur="1000" fill="hold"/>
+                                        <p:tgtEl>
+                                          <p:spTgt spid="39"/>
+                                        </p:tgtEl>
+                                        <p:attrNameLst>
+                                          <p:attrName>ppt_y</p:attrName>
+                                        </p:attrNameLst>
+                                      </p:cBhvr>
+                                      <p:tavLst>
+                                        <p:tav tm="0">
+                                          <p:val>
+                                            <p:strVal val="#ppt_y-.1"/>
+                                          </p:val>
+                                        </p:tav>
+                                        <p:tav tm="100000">
+                                          <p:val>
+                                            <p:strVal val="#ppt_y"/>
+                                          </p:val>
+                                        </p:tav>
+                                      </p:tavLst>
+                                    </p:anim>
+                                  </p:childTnLst>
+                                </p:cTn>
+                              </p:par>
+                              <p:par>
+                                <p:cTn id="23" presetID="31" presetClass="entr" presetSubtype="0" fill="hold" grpId="0" nodeType="withEffect">
+                                  <p:stCondLst>
+                                    <p:cond delay="0"/>
+                                  </p:stCondLst>
+                                  <p:childTnLst>
+                                    <p:set>
+                                      <p:cBhvr>
+                                        <p:cTn id="24" dur="1" fill="hold">
+                                          <p:stCondLst>
+                                            <p:cond delay="0"/>
+                                          </p:stCondLst>
+                                        </p:cTn>
+                                        <p:tgtEl>
+                                          <p:spTgt spid="24"/>
+                                        </p:tgtEl>
+                                        <p:attrNameLst>
+                                          <p:attrName>style.visibility</p:attrName>
+                                        </p:attrNameLst>
+                                      </p:cBhvr>
+                                      <p:to>
+                                        <p:strVal val="visible"/>
+                                      </p:to>
+                                    </p:set>
+                                    <p:anim calcmode="lin" valueType="num">
+                                      <p:cBhvr>
+                                        <p:cTn id="25" dur="1000" fill="hold"/>
+                                        <p:tgtEl>
+                                          <p:spTgt spid="24"/>
+                                        </p:tgtEl>
+                                        <p:attrNameLst>
+                                          <p:attrName>ppt_w</p:attrName>
+                                        </p:attrNameLst>
+                                      </p:cBhvr>
+                                      <p:tavLst>
+                                        <p:tav tm="0">
+                                          <p:val>
+                                            <p:fltVal val="0"/>
+                                          </p:val>
+                                        </p:tav>
+                                        <p:tav tm="100000">
+                                          <p:val>
+                                            <p:strVal val="#ppt_w"/>
+                                          </p:val>
+                                        </p:tav>
+                                      </p:tavLst>
+                                    </p:anim>
+                                    <p:anim calcmode="lin" valueType="num">
+                                      <p:cBhvr>
+                                        <p:cTn id="26" dur="1000" fill="hold"/>
+                                        <p:tgtEl>
+                                          <p:spTgt spid="24"/>
+                                        </p:tgtEl>
+                                        <p:attrNameLst>
+                                          <p:attrName>ppt_h</p:attrName>
+                                        </p:attrNameLst>
+                                      </p:cBhvr>
+                                      <p:tavLst>
+                                        <p:tav tm="0">
+                                          <p:val>
+                                            <p:fltVal val="0"/>
+                                          </p:val>
+                                        </p:tav>
+                                        <p:tav tm="100000">
+                                          <p:val>
+                                            <p:strVal val="#ppt_h"/>
+                                          </p:val>
+                                        </p:tav>
+                                      </p:tavLst>
+                                    </p:anim>
+                                    <p:anim calcmode="lin" valueType="num">
+                                      <p:cBhvr>
+                                        <p:cTn id="27" dur="1000" fill="hold"/>
+                                        <p:tgtEl>
+                                          <p:spTgt spid="24"/>
+                                        </p:tgtEl>
+                                        <p:attrNameLst>
+                                          <p:attrName>style.rotation</p:attrName>
+                                        </p:attrNameLst>
+                                      </p:cBhvr>
+                                      <p:tavLst>
+                                        <p:tav tm="0">
+                                          <p:val>
+                                            <p:fltVal val="90"/>
+                                          </p:val>
+                                        </p:tav>
+                                        <p:tav tm="100000">
+                                          <p:val>
+                                            <p:fltVal val="0"/>
+                                          </p:val>
+                                        </p:tav>
+                                      </p:tavLst>
+                                    </p:anim>
+                                    <p:animEffect transition="in" filter="fade">
+                                      <p:cBhvr>
+                                        <p:cTn id="28" dur="1000"/>
+                                        <p:tgtEl>
+                                          <p:spTgt spid="24"/>
+                                        </p:tgtEl>
+                                      </p:cBhvr>
+                                    </p:animEffect>
+                                  </p:childTnLst>
+                                </p:cTn>
+                              </p:par>
+                              <p:par>
+                                <p:cTn id="29" presetID="6" presetClass="entr" presetSubtype="16" fill="hold" nodeType="withEffect">
+                                  <p:stCondLst>
+                                    <p:cond delay="0"/>
+                                  </p:stCondLst>
+                                  <p:childTnLst>
+                                    <p:set>
+                                      <p:cBhvr>
+                                        <p:cTn id="30" dur="1" fill="hold">
+                                          <p:stCondLst>
+                                            <p:cond delay="0"/>
+                                          </p:stCondLst>
+                                        </p:cTn>
+                                        <p:tgtEl>
+                                          <p:spTgt spid="21"/>
+                                        </p:tgtEl>
+                                        <p:attrNameLst>
+                                          <p:attrName>style.visibility</p:attrName>
+                                        </p:attrNameLst>
+                                      </p:cBhvr>
+                                      <p:to>
+                                        <p:strVal val="visible"/>
+                                      </p:to>
+                                    </p:set>
+                                    <p:animEffect transition="in" filter="circle(in)">
+                                      <p:cBhvr>
+                                        <p:cTn id="31" dur="2000"/>
+                                        <p:tgtEl>
+                                          <p:spTgt spid="21"/>
+                                        </p:tgtEl>
+                                      </p:cBhvr>
+                                    </p:animEffect>
+                                  </p:childTnLst>
+                                </p:cTn>
+                              </p:par>
+                            </p:childTnLst>
+                          </p:cTn>
+                        </p:par>
+                        <p:par>
+                          <p:cTn id="32" fill="hold">
+                            <p:stCondLst>
+                              <p:cond delay="2000"/>
+                            </p:stCondLst>
+                            <p:childTnLst>
+                              <p:par>
+                                <p:cTn id="33" presetID="26" presetClass="entr" presetSubtype="0" fill="hold" nodeType="afterEffect">
+                                  <p:stCondLst>
+                                    <p:cond delay="0"/>
+                                  </p:stCondLst>
+                                  <p:childTnLst>
+                                    <p:set>
+                                      <p:cBhvr>
+                                        <p:cTn id="34" dur="1" fill="hold">
+                                          <p:stCondLst>
+                                            <p:cond delay="0"/>
+                                          </p:stCondLst>
+                                        </p:cTn>
+                                        <p:tgtEl>
+                                          <p:spTgt spid="23"/>
+                                        </p:tgtEl>
+                                        <p:attrNameLst>
+                                          <p:attrName>style.visibility</p:attrName>
+                                        </p:attrNameLst>
+                                      </p:cBhvr>
+                                      <p:to>
+                                        <p:strVal val="visible"/>
+                                      </p:to>
+                                    </p:set>
+                                    <p:animEffect transition="in" filter="wipe(down)">
+                                      <p:cBhvr>
+                                        <p:cTn id="35" dur="580">
+                                          <p:stCondLst>
+                                            <p:cond delay="0"/>
+                                          </p:stCondLst>
+                                        </p:cTn>
+                                        <p:tgtEl>
+                                          <p:spTgt spid="23"/>
+                                        </p:tgtEl>
+                                      </p:cBhvr>
+                                    </p:animEffect>
+                                    <p:anim calcmode="lin" valueType="num">
+                                      <p:cBhvr>
+                                        <p:cTn id="36" dur="1822" tmFilter="0,0; 0.14,0.36; 0.43,0.73; 0.71,0.91; 1.0,1.0">
+                                          <p:stCondLst>
+                                            <p:cond delay="0"/>
+                                          </p:stCondLst>
+                                        </p:cTn>
+                                        <p:tgtEl>
+                                          <p:spTgt spid="23"/>
+                                        </p:tgtEl>
+                                        <p:attrNameLst>
+                                          <p:attrName>ppt_x</p:attrName>
+                                        </p:attrNameLst>
+                                      </p:cBhvr>
+                                      <p:tavLst>
+                                        <p:tav tm="0">
+                                          <p:val>
+                                            <p:strVal val="#ppt_x-0.25"/>
+                                          </p:val>
+                                        </p:tav>
+                                        <p:tav tm="100000">
+                                          <p:val>
+                                            <p:strVal val="#ppt_x"/>
+                                          </p:val>
+                                        </p:tav>
+                                      </p:tavLst>
+                                    </p:anim>
+                                    <p:anim calcmode="lin" valueType="num">
+                                      <p:cBhvr>
+                                        <p:cTn id="37" dur="664" tmFilter="0.0,0.0; 0.25,0.07; 0.50,0.2; 0.75,0.467; 1.0,1.0">
+                                          <p:stCondLst>
+                                            <p:cond delay="0"/>
+                                          </p:stCondLst>
+                                        </p:cTn>
+                                        <p:tgtEl>
+                                          <p:spTgt spid="23"/>
+                                        </p:tgtEl>
+                                        <p:attrNameLst>
+                                          <p:attrName>ppt_y</p:attrName>
+                                        </p:attrNameLst>
+                                      </p:cBhvr>
+                                      <p:tavLst>
+                                        <p:tav tm="0" fmla="#ppt_y-sin(pi*$)/3">
+                                          <p:val>
+                                            <p:fltVal val="0.5"/>
+                                          </p:val>
+                                        </p:tav>
+                                        <p:tav tm="100000">
+                                          <p:val>
+                                            <p:fltVal val="1"/>
+                                          </p:val>
+                                        </p:tav>
+                                      </p:tavLst>
+                                    </p:anim>
+                                    <p:anim calcmode="lin" valueType="num">
+                                      <p:cBhvr>
+                                        <p:cTn id="38" dur="664" tmFilter="0, 0; 0.125,0.2665; 0.25,0.4; 0.375,0.465; 0.5,0.5;  0.625,0.535; 0.75,0.6; 0.875,0.7335; 1,1">
+                                          <p:stCondLst>
+                                            <p:cond delay="664"/>
+                                          </p:stCondLst>
+                                        </p:cTn>
+                                        <p:tgtEl>
+                                          <p:spTgt spid="23"/>
+                                        </p:tgtEl>
+                                        <p:attrNameLst>
+                                          <p:attrName>ppt_y</p:attrName>
+                                        </p:attrNameLst>
+                                      </p:cBhvr>
+                                      <p:tavLst>
+                                        <p:tav tm="0" fmla="#ppt_y-sin(pi*$)/9">
+                                          <p:val>
+                                            <p:fltVal val="0"/>
+                                          </p:val>
+                                        </p:tav>
+                                        <p:tav tm="100000">
+                                          <p:val>
+                                            <p:fltVal val="1"/>
+                                          </p:val>
+                                        </p:tav>
+                                      </p:tavLst>
+                                    </p:anim>
+                                    <p:anim calcmode="lin" valueType="num">
+                                      <p:cBhvr>
+                                        <p:cTn id="39" dur="332" tmFilter="0, 0; 0.125,0.2665; 0.25,0.4; 0.375,0.465; 0.5,0.5;  0.625,0.535; 0.75,0.6; 0.875,0.7335; 1,1">
+                                          <p:stCondLst>
+                                            <p:cond delay="1324"/>
+                                          </p:stCondLst>
+                                        </p:cTn>
+                                        <p:tgtEl>
+                                          <p:spTgt spid="23"/>
+                                        </p:tgtEl>
+                                        <p:attrNameLst>
+                                          <p:attrName>ppt_y</p:attrName>
+                                        </p:attrNameLst>
+                                      </p:cBhvr>
+                                      <p:tavLst>
+                                        <p:tav tm="0" fmla="#ppt_y-sin(pi*$)/27">
+                                          <p:val>
+                                            <p:fltVal val="0"/>
+                                          </p:val>
+                                        </p:tav>
+                                        <p:tav tm="100000">
+                                          <p:val>
+                                            <p:fltVal val="1"/>
+                                          </p:val>
+                                        </p:tav>
+                                      </p:tavLst>
+                                    </p:anim>
+                                    <p:anim calcmode="lin" valueType="num">
+                                      <p:cBhvr>
+                                        <p:cTn id="40" dur="164" tmFilter="0, 0; 0.125,0.2665; 0.25,0.4; 0.375,0.465; 0.5,0.5;  0.625,0.535; 0.75,0.6; 0.875,0.7335; 1,1">
+                                          <p:stCondLst>
+                                            <p:cond delay="1656"/>
+                                          </p:stCondLst>
+                                        </p:cTn>
+                                        <p:tgtEl>
+                                          <p:spTgt spid="23"/>
+                                        </p:tgtEl>
+                                        <p:attrNameLst>
+                                          <p:attrName>ppt_y</p:attrName>
+                                        </p:attrNameLst>
+                                      </p:cBhvr>
+                                      <p:tavLst>
+                                        <p:tav tm="0" fmla="#ppt_y-sin(pi*$)/81">
+                                          <p:val>
+                                            <p:fltVal val="0"/>
+                                          </p:val>
+                                        </p:tav>
+                                        <p:tav tm="100000">
+                                          <p:val>
+                                            <p:fltVal val="1"/>
+                                          </p:val>
+                                        </p:tav>
+                                      </p:tavLst>
+                                    </p:anim>
+                                    <p:animScale>
+                                      <p:cBhvr>
+                                        <p:cTn id="41" dur="26">
+                                          <p:stCondLst>
+                                            <p:cond delay="650"/>
+                                          </p:stCondLst>
+                                        </p:cTn>
+                                        <p:tgtEl>
+                                          <p:spTgt spid="23"/>
+                                        </p:tgtEl>
+                                      </p:cBhvr>
+                                      <p:to x="100000" y="60000"/>
+                                    </p:animScale>
+                                    <p:animScale>
+                                      <p:cBhvr>
+                                        <p:cTn id="42" dur="166" decel="50000">
+                                          <p:stCondLst>
+                                            <p:cond delay="676"/>
+                                          </p:stCondLst>
+                                        </p:cTn>
+                                        <p:tgtEl>
+                                          <p:spTgt spid="23"/>
+                                        </p:tgtEl>
+                                      </p:cBhvr>
+                                      <p:to x="100000" y="100000"/>
+                                    </p:animScale>
+                                    <p:animScale>
+                                      <p:cBhvr>
+                                        <p:cTn id="43" dur="26">
+                                          <p:stCondLst>
+                                            <p:cond delay="1312"/>
+                                          </p:stCondLst>
+                                        </p:cTn>
+                                        <p:tgtEl>
+                                          <p:spTgt spid="23"/>
+                                        </p:tgtEl>
+                                      </p:cBhvr>
+                                      <p:to x="100000" y="80000"/>
+                                    </p:animScale>
+                                    <p:animScale>
+                                      <p:cBhvr>
+                                        <p:cTn id="44" dur="166" decel="50000">
+                                          <p:stCondLst>
+                                            <p:cond delay="1338"/>
+                                          </p:stCondLst>
+                                        </p:cTn>
+                                        <p:tgtEl>
+                                          <p:spTgt spid="23"/>
+                                        </p:tgtEl>
+                                      </p:cBhvr>
+                                      <p:to x="100000" y="100000"/>
+                                    </p:animScale>
+                                    <p:animScale>
+                                      <p:cBhvr>
+                                        <p:cTn id="45" dur="26">
+                                          <p:stCondLst>
+                                            <p:cond delay="1642"/>
+                                          </p:stCondLst>
+                                        </p:cTn>
+                                        <p:tgtEl>
+                                          <p:spTgt spid="23"/>
+                                        </p:tgtEl>
+                                      </p:cBhvr>
+                                      <p:to x="100000" y="90000"/>
+                                    </p:animScale>
+                                    <p:animScale>
+                                      <p:cBhvr>
+                                        <p:cTn id="46" dur="166" decel="50000">
+                                          <p:stCondLst>
+                                            <p:cond delay="1668"/>
+                                          </p:stCondLst>
+                                        </p:cTn>
+                                        <p:tgtEl>
+                                          <p:spTgt spid="23"/>
+                                        </p:tgtEl>
+                                      </p:cBhvr>
+                                      <p:to x="100000" y="100000"/>
+                                    </p:animScale>
+                                    <p:animScale>
+                                      <p:cBhvr>
+                                        <p:cTn id="47" dur="26">
+                                          <p:stCondLst>
+                                            <p:cond delay="1808"/>
+                                          </p:stCondLst>
+                                        </p:cTn>
+                                        <p:tgtEl>
+                                          <p:spTgt spid="23"/>
+                                        </p:tgtEl>
+                                      </p:cBhvr>
+                                      <p:to x="100000" y="95000"/>
+                                    </p:animScale>
+                                    <p:animScale>
+                                      <p:cBhvr>
+                                        <p:cTn id="48" dur="166" decel="50000">
+                                          <p:stCondLst>
+                                            <p:cond delay="1834"/>
+                                          </p:stCondLst>
+                                        </p:cTn>
+                                        <p:tgtEl>
+                                          <p:spTgt spid="23"/>
+                                        </p:tgtEl>
+                                      </p:cBhvr>
+                                      <p:to x="100000" y="100000"/>
+                                    </p:animScale>
+                                  </p:childTnLst>
+                                </p:cTn>
+                              </p:par>
+                            </p:childTnLst>
+                          </p:cTn>
+                        </p:par>
+                        <p:par>
+                          <p:cTn id="49" fill="hold">
+                            <p:stCondLst>
+                              <p:cond delay="4000"/>
+                            </p:stCondLst>
+                            <p:childTnLst>
+                              <p:par>
+                                <p:cTn id="50" presetID="31" presetClass="entr" presetSubtype="0" fill="hold" nodeType="afterEffect">
+                                  <p:stCondLst>
+                                    <p:cond delay="0"/>
+                                  </p:stCondLst>
+                                  <p:childTnLst>
+                                    <p:set>
+                                      <p:cBhvr>
+                                        <p:cTn id="51" dur="1" fill="hold">
+                                          <p:stCondLst>
+                                            <p:cond delay="0"/>
+                                          </p:stCondLst>
+                                        </p:cTn>
+                                        <p:tgtEl>
+                                          <p:spTgt spid="51"/>
+                                        </p:tgtEl>
+                                        <p:attrNameLst>
+                                          <p:attrName>style.visibility</p:attrName>
+                                        </p:attrNameLst>
+                                      </p:cBhvr>
+                                      <p:to>
+                                        <p:strVal val="visible"/>
+                                      </p:to>
+                                    </p:set>
+                                    <p:anim calcmode="lin" valueType="num">
+                                      <p:cBhvr>
+                                        <p:cTn id="52" dur="1000" fill="hold"/>
+                                        <p:tgtEl>
+                                          <p:spTgt spid="51"/>
+                                        </p:tgtEl>
+                                        <p:attrNameLst>
+                                          <p:attrName>ppt_w</p:attrName>
+                                        </p:attrNameLst>
+                                      </p:cBhvr>
+                                      <p:tavLst>
+                                        <p:tav tm="0">
+                                          <p:val>
+                                            <p:fltVal val="0"/>
+                                          </p:val>
+                                        </p:tav>
+                                        <p:tav tm="100000">
+                                          <p:val>
+                                            <p:strVal val="#ppt_w"/>
+                                          </p:val>
+                                        </p:tav>
+                                      </p:tavLst>
+                                    </p:anim>
+                                    <p:anim calcmode="lin" valueType="num">
+                                      <p:cBhvr>
+                                        <p:cTn id="53" dur="1000" fill="hold"/>
+                                        <p:tgtEl>
+                                          <p:spTgt spid="51"/>
+                                        </p:tgtEl>
+                                        <p:attrNameLst>
+                                          <p:attrName>ppt_h</p:attrName>
+                                        </p:attrNameLst>
+                                      </p:cBhvr>
+                                      <p:tavLst>
+                                        <p:tav tm="0">
+                                          <p:val>
+                                            <p:fltVal val="0"/>
+                                          </p:val>
+                                        </p:tav>
+                                        <p:tav tm="100000">
+                                          <p:val>
+                                            <p:strVal val="#ppt_h"/>
+                                          </p:val>
+                                        </p:tav>
+                                      </p:tavLst>
+                                    </p:anim>
+                                    <p:anim calcmode="lin" valueType="num">
+                                      <p:cBhvr>
+                                        <p:cTn id="54" dur="1000" fill="hold"/>
+                                        <p:tgtEl>
+                                          <p:spTgt spid="51"/>
+                                        </p:tgtEl>
+                                        <p:attrNameLst>
+                                          <p:attrName>style.rotation</p:attrName>
+                                        </p:attrNameLst>
+                                      </p:cBhvr>
+                                      <p:tavLst>
+                                        <p:tav tm="0">
+                                          <p:val>
+                                            <p:fltVal val="90"/>
+                                          </p:val>
+                                        </p:tav>
+                                        <p:tav tm="100000">
+                                          <p:val>
+                                            <p:fltVal val="0"/>
+                                          </p:val>
+                                        </p:tav>
+                                      </p:tavLst>
+                                    </p:anim>
+                                    <p:animEffect transition="in" filter="fade">
+                                      <p:cBhvr>
+                                        <p:cTn id="55" dur="1000"/>
+                                        <p:tgtEl>
+                                          <p:spTgt spid="51"/>
+                                        </p:tgtEl>
+                                      </p:cBhvr>
+                                    </p:animEffect>
+                                  </p:childTnLst>
+                                </p:cTn>
+                              </p:par>
+                            </p:childTnLst>
+                          </p:cTn>
+                        </p:par>
+                      </p:childTnLst>
+                    </p:cTn>
+                  </p:par>
+                  <p:par>
+                    <p:cTn id="56" fill="hold">
+                      <p:stCondLst>
+                        <p:cond delay="indefinite"/>
+                      </p:stCondLst>
+                      <p:childTnLst>
+                        <p:par>
+                          <p:cTn id="57" fill="hold">
+                            <p:stCondLst>
+                              <p:cond delay="0"/>
+                            </p:stCondLst>
+                            <p:childTnLst>
+                              <p:par>
+                                <p:cTn id="58" presetID="2" presetClass="entr" presetSubtype="4" fill="hold" grpId="0" nodeType="clickEffect">
+                                  <p:stCondLst>
+                                    <p:cond delay="0"/>
+                                  </p:stCondLst>
+                                  <p:childTnLst>
+                                    <p:set>
+                                      <p:cBhvr>
+                                        <p:cTn id="59" dur="1" fill="hold">
+                                          <p:stCondLst>
+                                            <p:cond delay="0"/>
+                                          </p:stCondLst>
+                                        </p:cTn>
+                                        <p:tgtEl>
+                                          <p:spTgt spid="49"/>
+                                        </p:tgtEl>
+                                        <p:attrNameLst>
+                                          <p:attrName>style.visibility</p:attrName>
+                                        </p:attrNameLst>
+                                      </p:cBhvr>
+                                      <p:to>
+                                        <p:strVal val="visible"/>
+                                      </p:to>
+                                    </p:set>
+                                    <p:anim calcmode="lin" valueType="num">
+                                      <p:cBhvr additive="base">
+                                        <p:cTn id="60" dur="500" fill="hold"/>
+                                        <p:tgtEl>
+                                          <p:spTgt spid="49"/>
+                                        </p:tgtEl>
+                                        <p:attrNameLst>
+                                          <p:attrName>ppt_x</p:attrName>
+                                        </p:attrNameLst>
+                                      </p:cBhvr>
+                                      <p:tavLst>
+                                        <p:tav tm="0">
+                                          <p:val>
+                                            <p:strVal val="#ppt_x"/>
+                                          </p:val>
+                                        </p:tav>
+                                        <p:tav tm="100000">
+                                          <p:val>
+                                            <p:strVal val="#ppt_x"/>
+                                          </p:val>
+                                        </p:tav>
+                                      </p:tavLst>
+                                    </p:anim>
+                                    <p:anim calcmode="lin" valueType="num">
+                                      <p:cBhvr additive="base">
+                                        <p:cTn id="61" dur="500" fill="hold"/>
+                                        <p:tgtEl>
+                                          <p:spTgt spid="49"/>
+                                        </p:tgtEl>
+                                        <p:attrNameLst>
+                                          <p:attrName>ppt_y</p:attrName>
+                                        </p:attrNameLst>
+                                      </p:cBhvr>
+                                      <p:tavLst>
+                                        <p:tav tm="0">
+                                          <p:val>
+                                            <p:strVal val="1+#ppt_h/2"/>
+                                          </p:val>
+                                        </p:tav>
+                                        <p:tav tm="100000">
+                                          <p:val>
+                                            <p:strVal val="#ppt_y"/>
+                                          </p:val>
+                                        </p:tav>
+                                      </p:tavLst>
+                                    </p:anim>
+                                  </p:childTnLst>
+                                </p:cTn>
+                              </p:par>
+                            </p:childTnLst>
+                          </p:cTn>
+                        </p:par>
+                        <p:par>
+                          <p:cTn id="62" fill="hold">
+                            <p:stCondLst>
+                              <p:cond delay="500"/>
+                            </p:stCondLst>
+                            <p:childTnLst>
+                              <p:par>
+                                <p:cTn id="63" presetID="26" presetClass="entr" presetSubtype="0" fill="hold" nodeType="afterEffect">
+                                  <p:stCondLst>
+                                    <p:cond delay="0"/>
+                                  </p:stCondLst>
+                                  <p:childTnLst>
+                                    <p:set>
+                                      <p:cBhvr>
+                                        <p:cTn id="64" dur="1" fill="hold">
+                                          <p:stCondLst>
+                                            <p:cond delay="0"/>
+                                          </p:stCondLst>
+                                        </p:cTn>
+                                        <p:tgtEl>
+                                          <p:spTgt spid="44"/>
+                                        </p:tgtEl>
+                                        <p:attrNameLst>
+                                          <p:attrName>style.visibility</p:attrName>
+                                        </p:attrNameLst>
+                                      </p:cBhvr>
+                                      <p:to>
+                                        <p:strVal val="visible"/>
+                                      </p:to>
+                                    </p:set>
+                                    <p:animEffect transition="in" filter="wipe(down)">
+                                      <p:cBhvr>
+                                        <p:cTn id="65" dur="580">
+                                          <p:stCondLst>
+                                            <p:cond delay="0"/>
+                                          </p:stCondLst>
+                                        </p:cTn>
+                                        <p:tgtEl>
+                                          <p:spTgt spid="44"/>
+                                        </p:tgtEl>
+                                      </p:cBhvr>
+                                    </p:animEffect>
+                                    <p:anim calcmode="lin" valueType="num">
+                                      <p:cBhvr>
+                                        <p:cTn id="66" dur="1822" tmFilter="0,0; 0.14,0.36; 0.43,0.73; 0.71,0.91; 1.0,1.0">
+                                          <p:stCondLst>
+                                            <p:cond delay="0"/>
+                                          </p:stCondLst>
+                                        </p:cTn>
+                                        <p:tgtEl>
+                                          <p:spTgt spid="44"/>
+                                        </p:tgtEl>
+                                        <p:attrNameLst>
+                                          <p:attrName>ppt_x</p:attrName>
+                                        </p:attrNameLst>
+                                      </p:cBhvr>
+                                      <p:tavLst>
+                                        <p:tav tm="0">
+                                          <p:val>
+                                            <p:strVal val="#ppt_x-0.25"/>
+                                          </p:val>
+                                        </p:tav>
+                                        <p:tav tm="100000">
+                                          <p:val>
+                                            <p:strVal val="#ppt_x"/>
+                                          </p:val>
+                                        </p:tav>
+                                      </p:tavLst>
+                                    </p:anim>
+                                    <p:anim calcmode="lin" valueType="num">
+                                      <p:cBhvr>
+                                        <p:cTn id="67" dur="664" tmFilter="0.0,0.0; 0.25,0.07; 0.50,0.2; 0.75,0.467; 1.0,1.0">
+                                          <p:stCondLst>
+                                            <p:cond delay="0"/>
+                                          </p:stCondLst>
+                                        </p:cTn>
+                                        <p:tgtEl>
+                                          <p:spTgt spid="44"/>
+                                        </p:tgtEl>
+                                        <p:attrNameLst>
+                                          <p:attrName>ppt_y</p:attrName>
+                                        </p:attrNameLst>
+                                      </p:cBhvr>
+                                      <p:tavLst>
+                                        <p:tav tm="0" fmla="#ppt_y-sin(pi*$)/3">
+                                          <p:val>
+                                            <p:fltVal val="0.5"/>
+                                          </p:val>
+                                        </p:tav>
+                                        <p:tav tm="100000">
+                                          <p:val>
+                                            <p:fltVal val="1"/>
+                                          </p:val>
+                                        </p:tav>
+                                      </p:tavLst>
+                                    </p:anim>
+                                    <p:anim calcmode="lin" valueType="num">
+                                      <p:cBhvr>
+                                        <p:cTn id="68" dur="664" tmFilter="0, 0; 0.125,0.2665; 0.25,0.4; 0.375,0.465; 0.5,0.5;  0.625,0.535; 0.75,0.6; 0.875,0.7335; 1,1">
+                                          <p:stCondLst>
+                                            <p:cond delay="664"/>
+                                          </p:stCondLst>
+                                        </p:cTn>
+                                        <p:tgtEl>
+                                          <p:spTgt spid="44"/>
+                                        </p:tgtEl>
+                                        <p:attrNameLst>
+                                          <p:attrName>ppt_y</p:attrName>
+                                        </p:attrNameLst>
+                                      </p:cBhvr>
+                                      <p:tavLst>
+                                        <p:tav tm="0" fmla="#ppt_y-sin(pi*$)/9">
+                                          <p:val>
+                                            <p:fltVal val="0"/>
+                                          </p:val>
+                                        </p:tav>
+                                        <p:tav tm="100000">
+                                          <p:val>
+                                            <p:fltVal val="1"/>
+                                          </p:val>
+                                        </p:tav>
+                                      </p:tavLst>
+                                    </p:anim>
+                                    <p:anim calcmode="lin" valueType="num">
+                                      <p:cBhvr>
+                                        <p:cTn id="69" dur="332" tmFilter="0, 0; 0.125,0.2665; 0.25,0.4; 0.375,0.465; 0.5,0.5;  0.625,0.535; 0.75,0.6; 0.875,0.7335; 1,1">
+                                          <p:stCondLst>
+                                            <p:cond delay="1324"/>
+                                          </p:stCondLst>
+                                        </p:cTn>
+                                        <p:tgtEl>
+                                          <p:spTgt spid="44"/>
+                                        </p:tgtEl>
+                                        <p:attrNameLst>
+                                          <p:attrName>ppt_y</p:attrName>
+                                        </p:attrNameLst>
+                                      </p:cBhvr>
+                                      <p:tavLst>
+                                        <p:tav tm="0" fmla="#ppt_y-sin(pi*$)/27">
+                                          <p:val>
+                                            <p:fltVal val="0"/>
+                                          </p:val>
+                                        </p:tav>
+                                        <p:tav tm="100000">
+                                          <p:val>
+                                            <p:fltVal val="1"/>
+                                          </p:val>
+                                        </p:tav>
+                                      </p:tavLst>
+                                    </p:anim>
+                                    <p:anim calcmode="lin" valueType="num">
+                                      <p:cBhvr>
+                                        <p:cTn id="70" dur="164" tmFilter="0, 0; 0.125,0.2665; 0.25,0.4; 0.375,0.465; 0.5,0.5;  0.625,0.535; 0.75,0.6; 0.875,0.7335; 1,1">
+                                          <p:stCondLst>
+                                            <p:cond delay="1656"/>
+                                          </p:stCondLst>
+                                        </p:cTn>
+                                        <p:tgtEl>
+                                          <p:spTgt spid="44"/>
+                                        </p:tgtEl>
+                                        <p:attrNameLst>
+                                          <p:attrName>ppt_y</p:attrName>
+                                        </p:attrNameLst>
+                                      </p:cBhvr>
+                                      <p:tavLst>
+                                        <p:tav tm="0" fmla="#ppt_y-sin(pi*$)/81">
+                                          <p:val>
+                                            <p:fltVal val="0"/>
+                                          </p:val>
+                                        </p:tav>
+                                        <p:tav tm="100000">
+                                          <p:val>
+                                            <p:fltVal val="1"/>
+                                          </p:val>
+                                        </p:tav>
+                                      </p:tavLst>
+                                    </p:anim>
+                                    <p:animScale>
+                                      <p:cBhvr>
+                                        <p:cTn id="71" dur="26">
+                                          <p:stCondLst>
+                                            <p:cond delay="650"/>
+                                          </p:stCondLst>
+                                        </p:cTn>
+                                        <p:tgtEl>
+                                          <p:spTgt spid="44"/>
+                                        </p:tgtEl>
+                                      </p:cBhvr>
+                                      <p:to x="100000" y="60000"/>
+                                    </p:animScale>
+                                    <p:animScale>
+                                      <p:cBhvr>
+                                        <p:cTn id="72" dur="166" decel="50000">
+                                          <p:stCondLst>
+                                            <p:cond delay="676"/>
+                                          </p:stCondLst>
+                                        </p:cTn>
+                                        <p:tgtEl>
+                                          <p:spTgt spid="44"/>
+                                        </p:tgtEl>
+                                      </p:cBhvr>
+                                      <p:to x="100000" y="100000"/>
+                                    </p:animScale>
+                                    <p:animScale>
+                                      <p:cBhvr>
+                                        <p:cTn id="73" dur="26">
+                                          <p:stCondLst>
+                                            <p:cond delay="1312"/>
+                                          </p:stCondLst>
+                                        </p:cTn>
+                                        <p:tgtEl>
+                                          <p:spTgt spid="44"/>
+                                        </p:tgtEl>
+                                      </p:cBhvr>
+                                      <p:to x="100000" y="80000"/>
+                                    </p:animScale>
+                                    <p:animScale>
+                                      <p:cBhvr>
+                                        <p:cTn id="74" dur="166" decel="50000">
+                                          <p:stCondLst>
+                                            <p:cond delay="1338"/>
+                                          </p:stCondLst>
+                                        </p:cTn>
+                                        <p:tgtEl>
+                                          <p:spTgt spid="44"/>
+                                        </p:tgtEl>
+                                      </p:cBhvr>
+                                      <p:to x="100000" y="100000"/>
+                                    </p:animScale>
+                                    <p:animScale>
+                                      <p:cBhvr>
+                                        <p:cTn id="75" dur="26">
+                                          <p:stCondLst>
+                                            <p:cond delay="1642"/>
+                                          </p:stCondLst>
+                                        </p:cTn>
+                                        <p:tgtEl>
+                                          <p:spTgt spid="44"/>
+                                        </p:tgtEl>
+                                      </p:cBhvr>
+                                      <p:to x="100000" y="90000"/>
+                                    </p:animScale>
+                                    <p:animScale>
+                                      <p:cBhvr>
+                                        <p:cTn id="76" dur="166" decel="50000">
+                                          <p:stCondLst>
+                                            <p:cond delay="1668"/>
+                                          </p:stCondLst>
+                                        </p:cTn>
+                                        <p:tgtEl>
+                                          <p:spTgt spid="44"/>
+                                        </p:tgtEl>
+                                      </p:cBhvr>
+                                      <p:to x="100000" y="100000"/>
+                                    </p:animScale>
+                                    <p:animScale>
+                                      <p:cBhvr>
+                                        <p:cTn id="77" dur="26">
+                                          <p:stCondLst>
+                                            <p:cond delay="1808"/>
+                                          </p:stCondLst>
+                                        </p:cTn>
+                                        <p:tgtEl>
+                                          <p:spTgt spid="44"/>
+                                        </p:tgtEl>
+                                      </p:cBhvr>
+                                      <p:to x="100000" y="95000"/>
+                                    </p:animScale>
+                                    <p:animScale>
+                                      <p:cBhvr>
+                                        <p:cTn id="78" dur="166" decel="50000">
+                                          <p:stCondLst>
+                                            <p:cond delay="1834"/>
+                                          </p:stCondLst>
+                                        </p:cTn>
+                                        <p:tgtEl>
+                                          <p:spTgt spid="44"/>
+                                        </p:tgtEl>
+                                      </p:cBhvr>
+                                      <p:to x="100000" y="100000"/>
+                                    </p:animScale>
+                                  </p:childTnLst>
+                                </p:cTn>
+                              </p:par>
+                            </p:childTnLst>
+                          </p:cTn>
+                        </p:par>
+                        <p:par>
+                          <p:cTn id="79" fill="hold">
+                            <p:stCondLst>
+                              <p:cond delay="2500"/>
+                            </p:stCondLst>
+                            <p:childTnLst>
+                              <p:par>
+                                <p:cTn id="80" presetID="26" presetClass="entr" presetSubtype="0" fill="hold" nodeType="afterEffect">
+                                  <p:stCondLst>
+                                    <p:cond delay="0"/>
+                                  </p:stCondLst>
+                                  <p:childTnLst>
+                                    <p:set>
+                                      <p:cBhvr>
+                                        <p:cTn id="81" dur="1" fill="hold">
+                                          <p:stCondLst>
+                                            <p:cond delay="0"/>
+                                          </p:stCondLst>
+                                        </p:cTn>
+                                        <p:tgtEl>
+                                          <p:spTgt spid="46"/>
+                                        </p:tgtEl>
+                                        <p:attrNameLst>
+                                          <p:attrName>style.visibility</p:attrName>
+                                        </p:attrNameLst>
+                                      </p:cBhvr>
+                                      <p:to>
+                                        <p:strVal val="visible"/>
+                                      </p:to>
+                                    </p:set>
+                                    <p:animEffect transition="in" filter="wipe(down)">
+                                      <p:cBhvr>
+                                        <p:cTn id="82" dur="580">
+                                          <p:stCondLst>
+                                            <p:cond delay="0"/>
+                                          </p:stCondLst>
+                                        </p:cTn>
+                                        <p:tgtEl>
+                                          <p:spTgt spid="46"/>
+                                        </p:tgtEl>
+                                      </p:cBhvr>
+                                    </p:animEffect>
+                                    <p:anim calcmode="lin" valueType="num">
+                                      <p:cBhvr>
+                                        <p:cTn id="83" dur="1822" tmFilter="0,0; 0.14,0.36; 0.43,0.73; 0.71,0.91; 1.0,1.0">
+                                          <p:stCondLst>
+                                            <p:cond delay="0"/>
+                                          </p:stCondLst>
+                                        </p:cTn>
+                                        <p:tgtEl>
+                                          <p:spTgt spid="46"/>
+                                        </p:tgtEl>
+                                        <p:attrNameLst>
+                                          <p:attrName>ppt_x</p:attrName>
+                                        </p:attrNameLst>
+                                      </p:cBhvr>
+                                      <p:tavLst>
+                                        <p:tav tm="0">
+                                          <p:val>
+                                            <p:strVal val="#ppt_x-0.25"/>
+                                          </p:val>
+                                        </p:tav>
+                                        <p:tav tm="100000">
+                                          <p:val>
+                                            <p:strVal val="#ppt_x"/>
+                                          </p:val>
+                                        </p:tav>
+                                      </p:tavLst>
+                                    </p:anim>
+                                    <p:anim calcmode="lin" valueType="num">
+                                      <p:cBhvr>
+                                        <p:cTn id="84" dur="664" tmFilter="0.0,0.0; 0.25,0.07; 0.50,0.2; 0.75,0.467; 1.0,1.0">
+                                          <p:stCondLst>
+                                            <p:cond delay="0"/>
+                                          </p:stCondLst>
+                                        </p:cTn>
+                                        <p:tgtEl>
+                                          <p:spTgt spid="46"/>
+                                        </p:tgtEl>
+                                        <p:attrNameLst>
+                                          <p:attrName>ppt_y</p:attrName>
+                                        </p:attrNameLst>
+                                      </p:cBhvr>
+                                      <p:tavLst>
+                                        <p:tav tm="0" fmla="#ppt_y-sin(pi*$)/3">
+                                          <p:val>
+                                            <p:fltVal val="0.5"/>
+                                          </p:val>
+                                        </p:tav>
+                                        <p:tav tm="100000">
+                                          <p:val>
+                                            <p:fltVal val="1"/>
+                                          </p:val>
+                                        </p:tav>
+                                      </p:tavLst>
+                                    </p:anim>
+                                    <p:anim calcmode="lin" valueType="num">
+                                      <p:cBhvr>
+                                        <p:cTn id="85" dur="664" tmFilter="0, 0; 0.125,0.2665; 0.25,0.4; 0.375,0.465; 0.5,0.5;  0.625,0.535; 0.75,0.6; 0.875,0.7335; 1,1">
+                                          <p:stCondLst>
+                                            <p:cond delay="664"/>
+                                          </p:stCondLst>
+                                        </p:cTn>
+                                        <p:tgtEl>
+                                          <p:spTgt spid="46"/>
+                                        </p:tgtEl>
+                                        <p:attrNameLst>
+                                          <p:attrName>ppt_y</p:attrName>
+                                        </p:attrNameLst>
+                                      </p:cBhvr>
+                                      <p:tavLst>
+                                        <p:tav tm="0" fmla="#ppt_y-sin(pi*$)/9">
+                                          <p:val>
+                                            <p:fltVal val="0"/>
+                                          </p:val>
+                                        </p:tav>
+                                        <p:tav tm="100000">
+                                          <p:val>
+                                            <p:fltVal val="1"/>
+                                          </p:val>
+                                        </p:tav>
+                                      </p:tavLst>
+                                    </p:anim>
+                                    <p:anim calcmode="lin" valueType="num">
+                                      <p:cBhvr>
+                                        <p:cTn id="86" dur="332" tmFilter="0, 0; 0.125,0.2665; 0.25,0.4; 0.375,0.465; 0.5,0.5;  0.625,0.535; 0.75,0.6; 0.875,0.7335; 1,1">
+                                          <p:stCondLst>
+                                            <p:cond delay="1324"/>
+                                          </p:stCondLst>
+                                        </p:cTn>
+                                        <p:tgtEl>
+                                          <p:spTgt spid="46"/>
+                                        </p:tgtEl>
+                                        <p:attrNameLst>
+                                          <p:attrName>ppt_y</p:attrName>
+                                        </p:attrNameLst>
+                                      </p:cBhvr>
+                                      <p:tavLst>
+                                        <p:tav tm="0" fmla="#ppt_y-sin(pi*$)/27">
+                                          <p:val>
+                                            <p:fltVal val="0"/>
+                                          </p:val>
+                                        </p:tav>
+                                        <p:tav tm="100000">
+                                          <p:val>
+                                            <p:fltVal val="1"/>
+                                          </p:val>
+                                        </p:tav>
+                                      </p:tavLst>
+                                    </p:anim>
+                                    <p:anim calcmode="lin" valueType="num">
+                                      <p:cBhvr>
+                                        <p:cTn id="87" dur="164" tmFilter="0, 0; 0.125,0.2665; 0.25,0.4; 0.375,0.465; 0.5,0.5;  0.625,0.535; 0.75,0.6; 0.875,0.7335; 1,1">
+                                          <p:stCondLst>
+                                            <p:cond delay="1656"/>
+                                          </p:stCondLst>
+                                        </p:cTn>
+                                        <p:tgtEl>
+                                          <p:spTgt spid="46"/>
+                                        </p:tgtEl>
+                                        <p:attrNameLst>
+                                          <p:attrName>ppt_y</p:attrName>
+                                        </p:attrNameLst>
+                                      </p:cBhvr>
+                                      <p:tavLst>
+                                        <p:tav tm="0" fmla="#ppt_y-sin(pi*$)/81">
+                                          <p:val>
+                                            <p:fltVal val="0"/>
+                                          </p:val>
+                                        </p:tav>
+                                        <p:tav tm="100000">
+                                          <p:val>
+                                            <p:fltVal val="1"/>
+                                          </p:val>
+                                        </p:tav>
+                                      </p:tavLst>
+                                    </p:anim>
+                                    <p:animScale>
+                                      <p:cBhvr>
+                                        <p:cTn id="88" dur="26">
+                                          <p:stCondLst>
+                                            <p:cond delay="650"/>
+                                          </p:stCondLst>
+                                        </p:cTn>
+                                        <p:tgtEl>
+                                          <p:spTgt spid="46"/>
+                                        </p:tgtEl>
+                                      </p:cBhvr>
+                                      <p:to x="100000" y="60000"/>
+                                    </p:animScale>
+                                    <p:animScale>
+                                      <p:cBhvr>
+                                        <p:cTn id="89" dur="166" decel="50000">
+                                          <p:stCondLst>
+                                            <p:cond delay="676"/>
+                                          </p:stCondLst>
+                                        </p:cTn>
+                                        <p:tgtEl>
+                                          <p:spTgt spid="46"/>
+                                        </p:tgtEl>
+                                      </p:cBhvr>
+                                      <p:to x="100000" y="100000"/>
+                                    </p:animScale>
+                                    <p:animScale>
+                                      <p:cBhvr>
+                                        <p:cTn id="90" dur="26">
+                                          <p:stCondLst>
+                                            <p:cond delay="1312"/>
+                                          </p:stCondLst>
+                                        </p:cTn>
+                                        <p:tgtEl>
+                                          <p:spTgt spid="46"/>
+                                        </p:tgtEl>
+                                      </p:cBhvr>
+                                      <p:to x="100000" y="80000"/>
+                                    </p:animScale>
+                                    <p:animScale>
+                                      <p:cBhvr>
+                                        <p:cTn id="91" dur="166" decel="50000">
+                                          <p:stCondLst>
+                                            <p:cond delay="1338"/>
+                                          </p:stCondLst>
+                                        </p:cTn>
+                                        <p:tgtEl>
+                                          <p:spTgt spid="46"/>
+                                        </p:tgtEl>
+                                      </p:cBhvr>
+                                      <p:to x="100000" y="100000"/>
+                                    </p:animScale>
+                                    <p:animScale>
+                                      <p:cBhvr>
+                                        <p:cTn id="92" dur="26">
+                                          <p:stCondLst>
+                                            <p:cond delay="1642"/>
+                                          </p:stCondLst>
+                                        </p:cTn>
+                                        <p:tgtEl>
+                                          <p:spTgt spid="46"/>
+                                        </p:tgtEl>
+                                      </p:cBhvr>
+                                      <p:to x="100000" y="90000"/>
+                                    </p:animScale>
+                                    <p:animScale>
+                                      <p:cBhvr>
+                                        <p:cTn id="93" dur="166" decel="50000">
+                                          <p:stCondLst>
+                                            <p:cond delay="1668"/>
+                                          </p:stCondLst>
+                                        </p:cTn>
+                                        <p:tgtEl>
+                                          <p:spTgt spid="46"/>
+                                        </p:tgtEl>
+                                      </p:cBhvr>
+                                      <p:to x="100000" y="100000"/>
+                                    </p:animScale>
+                                    <p:animScale>
+                                      <p:cBhvr>
+                                        <p:cTn id="94" dur="26">
+                                          <p:stCondLst>
+                                            <p:cond delay="1808"/>
+                                          </p:stCondLst>
+                                        </p:cTn>
+                                        <p:tgtEl>
+                                          <p:spTgt spid="46"/>
+                                        </p:tgtEl>
+                                      </p:cBhvr>
+                                      <p:to x="100000" y="95000"/>
+                                    </p:animScale>
+                                    <p:animScale>
+                                      <p:cBhvr>
+                                        <p:cTn id="95" dur="166" decel="50000">
+                                          <p:stCondLst>
+                                            <p:cond delay="1834"/>
+                                          </p:stCondLst>
+                                        </p:cTn>
+                                        <p:tgtEl>
+                                          <p:spTgt spid="46"/>
+                                        </p:tgtEl>
+                                      </p:cBhvr>
+                                      <p:to x="100000" y="100000"/>
+                                    </p:animScale>
+                                  </p:childTnLst>
+                                </p:cTn>
+                              </p:par>
+                            </p:childTnLst>
+                          </p:cTn>
+                        </p:par>
+                        <p:par>
+                          <p:cTn id="96" fill="hold">
+                            <p:stCondLst>
+                              <p:cond delay="4500"/>
+                            </p:stCondLst>
+                            <p:childTnLst>
+                              <p:par>
+                                <p:cTn id="97" presetID="26" presetClass="entr" presetSubtype="0" fill="hold" nodeType="afterEffect">
+                                  <p:stCondLst>
+                                    <p:cond delay="0"/>
+                                  </p:stCondLst>
+                                  <p:childTnLst>
+                                    <p:set>
+                                      <p:cBhvr>
+                                        <p:cTn id="98" dur="1" fill="hold">
+                                          <p:stCondLst>
+                                            <p:cond delay="0"/>
+                                          </p:stCondLst>
+                                        </p:cTn>
+                                        <p:tgtEl>
+                                          <p:spTgt spid="48"/>
+                                        </p:tgtEl>
+                                        <p:attrNameLst>
+                                          <p:attrName>style.visibility</p:attrName>
+                                        </p:attrNameLst>
+                                      </p:cBhvr>
+                                      <p:to>
+                                        <p:strVal val="visible"/>
+                                      </p:to>
+                                    </p:set>
+                                    <p:animEffect transition="in" filter="wipe(down)">
+                                      <p:cBhvr>
+                                        <p:cTn id="99" dur="580">
+                                          <p:stCondLst>
+                                            <p:cond delay="0"/>
+                                          </p:stCondLst>
+                                        </p:cTn>
+                                        <p:tgtEl>
+                                          <p:spTgt spid="48"/>
+                                        </p:tgtEl>
+                                      </p:cBhvr>
+                                    </p:animEffect>
+                                    <p:anim calcmode="lin" valueType="num">
+                                      <p:cBhvr>
+                                        <p:cTn id="100" dur="1822" tmFilter="0,0; 0.14,0.36; 0.43,0.73; 0.71,0.91; 1.0,1.0">
+                                          <p:stCondLst>
+                                            <p:cond delay="0"/>
+                                          </p:stCondLst>
+                                        </p:cTn>
+                                        <p:tgtEl>
+                                          <p:spTgt spid="48"/>
+                                        </p:tgtEl>
+                                        <p:attrNameLst>
+                                          <p:attrName>ppt_x</p:attrName>
+                                        </p:attrNameLst>
+                                      </p:cBhvr>
+                                      <p:tavLst>
+                                        <p:tav tm="0">
+                                          <p:val>
+                                            <p:strVal val="#ppt_x-0.25"/>
+                                          </p:val>
+                                        </p:tav>
+                                        <p:tav tm="100000">
+                                          <p:val>
+                                            <p:strVal val="#ppt_x"/>
+                                          </p:val>
+                                        </p:tav>
+                                      </p:tavLst>
+                                    </p:anim>
+                                    <p:anim calcmode="lin" valueType="num">
+                                      <p:cBhvr>
+                                        <p:cTn id="101" dur="664" tmFilter="0.0,0.0; 0.25,0.07; 0.50,0.2; 0.75,0.467; 1.0,1.0">
+                                          <p:stCondLst>
+                                            <p:cond delay="0"/>
+                                          </p:stCondLst>
+                                        </p:cTn>
+                                        <p:tgtEl>
+                                          <p:spTgt spid="48"/>
+                                        </p:tgtEl>
+                                        <p:attrNameLst>
+                                          <p:attrName>ppt_y</p:attrName>
+                                        </p:attrNameLst>
+                                      </p:cBhvr>
+                                      <p:tavLst>
+                                        <p:tav tm="0" fmla="#ppt_y-sin(pi*$)/3">
+                                          <p:val>
+                                            <p:fltVal val="0.5"/>
+                                          </p:val>
+                                        </p:tav>
+                                        <p:tav tm="100000">
+                                          <p:val>
+                                            <p:fltVal val="1"/>
+                                          </p:val>
+                                        </p:tav>
+                                      </p:tavLst>
+                                    </p:anim>
+                                    <p:anim calcmode="lin" valueType="num">
+                                      <p:cBhvr>
+                                        <p:cTn id="102" dur="664" tmFilter="0, 0; 0.125,0.2665; 0.25,0.4; 0.375,0.465; 0.5,0.5;  0.625,0.535; 0.75,0.6; 0.875,0.7335; 1,1">
+                                          <p:stCondLst>
+                                            <p:cond delay="664"/>
+                                          </p:stCondLst>
+                                        </p:cTn>
+                                        <p:tgtEl>
+                                          <p:spTgt spid="48"/>
+                                        </p:tgtEl>
+                                        <p:attrNameLst>
+                                          <p:attrName>ppt_y</p:attrName>
+                                        </p:attrNameLst>
+                                      </p:cBhvr>
+                                      <p:tavLst>
+                                        <p:tav tm="0" fmla="#ppt_y-sin(pi*$)/9">
+                                          <p:val>
+                                            <p:fltVal val="0"/>
+                                          </p:val>
+                                        </p:tav>
+                                        <p:tav tm="100000">
+                                          <p:val>
+                                            <p:fltVal val="1"/>
+                                          </p:val>
+                                        </p:tav>
+                                      </p:tavLst>
+                                    </p:anim>
+                                    <p:anim calcmode="lin" valueType="num">
+                                      <p:cBhvr>
+                                        <p:cTn id="103" dur="332" tmFilter="0, 0; 0.125,0.2665; 0.25,0.4; 0.375,0.465; 0.5,0.5;  0.625,0.535; 0.75,0.6; 0.875,0.7335; 1,1">
+                                          <p:stCondLst>
+                                            <p:cond delay="1324"/>
+                                          </p:stCondLst>
+                                        </p:cTn>
+                                        <p:tgtEl>
+                                          <p:spTgt spid="48"/>
+                                        </p:tgtEl>
+                                        <p:attrNameLst>
+                                          <p:attrName>ppt_y</p:attrName>
+                                        </p:attrNameLst>
+                                      </p:cBhvr>
+                                      <p:tavLst>
+                                        <p:tav tm="0" fmla="#ppt_y-sin(pi*$)/27">
+                                          <p:val>
+                                            <p:fltVal val="0"/>
+                                          </p:val>
+                                        </p:tav>
+                                        <p:tav tm="100000">
+                                          <p:val>
+                                            <p:fltVal val="1"/>
+                                          </p:val>
+                                        </p:tav>
+                                      </p:tavLst>
+                                    </p:anim>
+                                    <p:anim calcmode="lin" valueType="num">
+                                      <p:cBhvr>
+                                        <p:cTn id="104" dur="164" tmFilter="0, 0; 0.125,0.2665; 0.25,0.4; 0.375,0.465; 0.5,0.5;  0.625,0.535; 0.75,0.6; 0.875,0.7335; 1,1">
+                                          <p:stCondLst>
+                                            <p:cond delay="1656"/>
+                                          </p:stCondLst>
+                                        </p:cTn>
+                                        <p:tgtEl>
+                                          <p:spTgt spid="48"/>
+                                        </p:tgtEl>
+                                        <p:attrNameLst>
+                                          <p:attrName>ppt_y</p:attrName>
+                                        </p:attrNameLst>
+                                      </p:cBhvr>
+                                      <p:tavLst>
+                                        <p:tav tm="0" fmla="#ppt_y-sin(pi*$)/81">
+                                          <p:val>
+                                            <p:fltVal val="0"/>
+                                          </p:val>
+                                        </p:tav>
+                                        <p:tav tm="100000">
+                                          <p:val>
+                                            <p:fltVal val="1"/>
+                                          </p:val>
+                                        </p:tav>
+                                      </p:tavLst>
+                                    </p:anim>
+                                    <p:animScale>
+                                      <p:cBhvr>
+                                        <p:cTn id="105" dur="26">
+                                          <p:stCondLst>
+                                            <p:cond delay="650"/>
+                                          </p:stCondLst>
+                                        </p:cTn>
+                                        <p:tgtEl>
+                                          <p:spTgt spid="48"/>
+                                        </p:tgtEl>
+                                      </p:cBhvr>
+                                      <p:to x="100000" y="60000"/>
+                                    </p:animScale>
+                                    <p:animScale>
+                                      <p:cBhvr>
+                                        <p:cTn id="106" dur="166" decel="50000">
+                                          <p:stCondLst>
+                                            <p:cond delay="676"/>
+                                          </p:stCondLst>
+                                        </p:cTn>
+                                        <p:tgtEl>
+                                          <p:spTgt spid="48"/>
+                                        </p:tgtEl>
+                                      </p:cBhvr>
+                                      <p:to x="100000" y="100000"/>
+                                    </p:animScale>
+                                    <p:animScale>
+                                      <p:cBhvr>
+                                        <p:cTn id="107" dur="26">
+                                          <p:stCondLst>
+                                            <p:cond delay="1312"/>
+                                          </p:stCondLst>
+                                        </p:cTn>
+                                        <p:tgtEl>
+                                          <p:spTgt spid="48"/>
+                                        </p:tgtEl>
+                                      </p:cBhvr>
+                                      <p:to x="100000" y="80000"/>
+                                    </p:animScale>
+                                    <p:animScale>
+                                      <p:cBhvr>
+                                        <p:cTn id="108" dur="166" decel="50000">
+                                          <p:stCondLst>
+                                            <p:cond delay="1338"/>
+                                          </p:stCondLst>
+                                        </p:cTn>
+                                        <p:tgtEl>
+                                          <p:spTgt spid="48"/>
+                                        </p:tgtEl>
+                                      </p:cBhvr>
+                                      <p:to x="100000" y="100000"/>
+                                    </p:animScale>
+                                    <p:animScale>
+                                      <p:cBhvr>
+                                        <p:cTn id="109" dur="26">
+                                          <p:stCondLst>
+                                            <p:cond delay="1642"/>
+                                          </p:stCondLst>
+                                        </p:cTn>
+                                        <p:tgtEl>
+                                          <p:spTgt spid="48"/>
+                                        </p:tgtEl>
+                                      </p:cBhvr>
+                                      <p:to x="100000" y="90000"/>
+                                    </p:animScale>
+                                    <p:animScale>
+                                      <p:cBhvr>
+                                        <p:cTn id="110" dur="166" decel="50000">
+                                          <p:stCondLst>
+                                            <p:cond delay="1668"/>
+                                          </p:stCondLst>
+                                        </p:cTn>
+                                        <p:tgtEl>
+                                          <p:spTgt spid="48"/>
+                                        </p:tgtEl>
+                                      </p:cBhvr>
+                                      <p:to x="100000" y="100000"/>
+                                    </p:animScale>
+                                    <p:animScale>
+                                      <p:cBhvr>
+                                        <p:cTn id="111" dur="26">
+                                          <p:stCondLst>
+                                            <p:cond delay="1808"/>
+                                          </p:stCondLst>
+                                        </p:cTn>
+                                        <p:tgtEl>
+                                          <p:spTgt spid="48"/>
+                                        </p:tgtEl>
+                                      </p:cBhvr>
+                                      <p:to x="100000" y="95000"/>
+                                    </p:animScale>
+                                    <p:animScale>
+                                      <p:cBhvr>
+                                        <p:cTn id="112" dur="166" decel="50000">
+                                          <p:stCondLst>
+                                            <p:cond delay="1834"/>
+                                          </p:stCondLst>
+                                        </p:cTn>
+                                        <p:tgtEl>
+                                          <p:spTgt spid="48"/>
+                                        </p:tgtEl>
+                                      </p:cBhvr>
+                                      <p:to x="100000" y="100000"/>
+                                    </p:animScale>
+                                  </p:childTnLst>
+                                </p:cTn>
+                              </p:par>
+                            </p:childTnLst>
+                          </p:cTn>
+                        </p:par>
+                      </p:childTnLst>
+                    </p:cTn>
+                  </p:par>
+                </p:childTnLst>
+              </p:cTn>
+              <p:prevCondLst>
+                <p:cond evt="onPrev" delay="0">
+                  <p:tgtEl>
+                    <p:sldTgt/>
+                  </p:tgtEl>
+                </p:cond>
+              </p:prevCondLst>
+              <p:nextCondLst>
+                <p:cond evt="onNext" delay="0">
+                  <p:tgtEl>
+                    <p:sldTgt/>
+                  </p:tgtEl>
+                </p:cond>
+              </p:nextCondLst>
+            </p:seq>
+          </p:childTnLst>
+        </p:cTn>
+      </p:par>
+    </p:tnLst>
+    <p:bldLst>
+      <p:bldP spid="19" grpId="0"/>
+      <p:bldP spid="24" grpId="0"/>
+      <p:bldP spid="49" grpId="0"/>
+    </p:bldLst>
+  </p:timing>
+</p:sld>
+</file>
+
+<file path=ppt/slides/slide3.xml><?xml version="1.0" encoding="utf-8"?>
+<p:sld xmlns:a="http://schemas.openxmlformats.org/drawingml/2006/main" xmlns:r="http://schemas.openxmlformats.org/officeDocument/2006/relationships" xmlns:p="http://schemas.openxmlformats.org/presentationml/2006/main">
+  <p:cSld>
+    <p:spTree>
+      <p:nvGrpSpPr>
+        <p:cNvPr id="1" name=""/>
+        <p:cNvGrpSpPr/>
+        <p:nvPr/>
+      </p:nvGrpSpPr>
+      <p:grpSpPr>
+        <a:xfrm>
+          <a:off x="0" y="0"/>
+          <a:ext cx="0" cy="0"/>
+          <a:chOff x="0" y="0"/>
+          <a:chExt cx="0" cy="0"/>
+        </a:xfrm>
+      </p:grpSpPr>
       <p:sp>
         <p:nvSpPr>
           <p:cNvPr id="2" name="テキスト ボックス 1">
@@ -5561,7 +8095,7 @@
 </p:sld>
 </file>
 
-<file path=ppt/slides/slide3.xml><?xml version="1.0" encoding="utf-8"?>
+<file path=ppt/slides/slide4.xml><?xml version="1.0" encoding="utf-8"?>
 <p:sld xmlns:a="http://schemas.openxmlformats.org/drawingml/2006/main" xmlns:r="http://schemas.openxmlformats.org/officeDocument/2006/relationships" xmlns:p="http://schemas.openxmlformats.org/presentationml/2006/main">
   <p:cSld>
     <p:spTree>

--- a/kikaku_3_discord内のプレゼン/7月17日/格闘ゲーム×育成.pptx
+++ b/kikaku_3_discord内のプレゼン/7月17日/格闘ゲーム×育成.pptx
@@ -200,7 +200,7 @@
           <a:p>
             <a:fld id="{329A593A-E595-4309-8573-FD9F78107204}" type="datetimeFigureOut">
               <a:rPr kumimoji="1" lang="ja-JP" altLang="en-US" smtClean="0"/>
-              <a:t>2023/8/16</a:t>
+              <a:t>2023/8/17</a:t>
             </a:fld>
             <a:endParaRPr kumimoji="1" lang="ja-JP" altLang="en-US"/>
           </a:p>
@@ -730,7 +730,7 @@
           <a:p>
             <a:fld id="{9BB07443-AEB1-4664-9E55-6F2729A80A57}" type="datetimeFigureOut">
               <a:rPr kumimoji="1" lang="ja-JP" altLang="en-US" smtClean="0"/>
-              <a:t>2023/8/16</a:t>
+              <a:t>2023/8/17</a:t>
             </a:fld>
             <a:endParaRPr kumimoji="1" lang="ja-JP" altLang="en-US"/>
           </a:p>
@@ -960,7 +960,7 @@
           <a:p>
             <a:fld id="{9BB07443-AEB1-4664-9E55-6F2729A80A57}" type="datetimeFigureOut">
               <a:rPr kumimoji="1" lang="ja-JP" altLang="en-US" smtClean="0"/>
-              <a:t>2023/8/16</a:t>
+              <a:t>2023/8/17</a:t>
             </a:fld>
             <a:endParaRPr kumimoji="1" lang="ja-JP" altLang="en-US"/>
           </a:p>
@@ -1200,7 +1200,7 @@
           <a:p>
             <a:fld id="{9BB07443-AEB1-4664-9E55-6F2729A80A57}" type="datetimeFigureOut">
               <a:rPr kumimoji="1" lang="ja-JP" altLang="en-US" smtClean="0"/>
-              <a:t>2023/8/16</a:t>
+              <a:t>2023/8/17</a:t>
             </a:fld>
             <a:endParaRPr kumimoji="1" lang="ja-JP" altLang="en-US"/>
           </a:p>
@@ -1430,7 +1430,7 @@
           <a:p>
             <a:fld id="{9BB07443-AEB1-4664-9E55-6F2729A80A57}" type="datetimeFigureOut">
               <a:rPr kumimoji="1" lang="ja-JP" altLang="en-US" smtClean="0"/>
-              <a:t>2023/8/16</a:t>
+              <a:t>2023/8/17</a:t>
             </a:fld>
             <a:endParaRPr kumimoji="1" lang="ja-JP" altLang="en-US"/>
           </a:p>
@@ -1705,7 +1705,7 @@
           <a:p>
             <a:fld id="{9BB07443-AEB1-4664-9E55-6F2729A80A57}" type="datetimeFigureOut">
               <a:rPr kumimoji="1" lang="ja-JP" altLang="en-US" smtClean="0"/>
-              <a:t>2023/8/16</a:t>
+              <a:t>2023/8/17</a:t>
             </a:fld>
             <a:endParaRPr kumimoji="1" lang="ja-JP" altLang="en-US"/>
           </a:p>
@@ -2034,7 +2034,7 @@
           <a:p>
             <a:fld id="{9BB07443-AEB1-4664-9E55-6F2729A80A57}" type="datetimeFigureOut">
               <a:rPr kumimoji="1" lang="ja-JP" altLang="en-US" smtClean="0"/>
-              <a:t>2023/8/16</a:t>
+              <a:t>2023/8/17</a:t>
             </a:fld>
             <a:endParaRPr kumimoji="1" lang="ja-JP" altLang="en-US"/>
           </a:p>
@@ -2510,7 +2510,7 @@
           <a:p>
             <a:fld id="{9BB07443-AEB1-4664-9E55-6F2729A80A57}" type="datetimeFigureOut">
               <a:rPr kumimoji="1" lang="ja-JP" altLang="en-US" smtClean="0"/>
-              <a:t>2023/8/16</a:t>
+              <a:t>2023/8/17</a:t>
             </a:fld>
             <a:endParaRPr kumimoji="1" lang="ja-JP" altLang="en-US"/>
           </a:p>
@@ -2651,7 +2651,7 @@
           <a:p>
             <a:fld id="{9BB07443-AEB1-4664-9E55-6F2729A80A57}" type="datetimeFigureOut">
               <a:rPr kumimoji="1" lang="ja-JP" altLang="en-US" smtClean="0"/>
-              <a:t>2023/8/16</a:t>
+              <a:t>2023/8/17</a:t>
             </a:fld>
             <a:endParaRPr kumimoji="1" lang="ja-JP" altLang="en-US"/>
           </a:p>
@@ -2764,7 +2764,7 @@
           <a:p>
             <a:fld id="{9BB07443-AEB1-4664-9E55-6F2729A80A57}" type="datetimeFigureOut">
               <a:rPr kumimoji="1" lang="ja-JP" altLang="en-US" smtClean="0"/>
-              <a:t>2023/8/16</a:t>
+              <a:t>2023/8/17</a:t>
             </a:fld>
             <a:endParaRPr kumimoji="1" lang="ja-JP" altLang="en-US"/>
           </a:p>
@@ -3107,7 +3107,7 @@
           <a:p>
             <a:fld id="{9BB07443-AEB1-4664-9E55-6F2729A80A57}" type="datetimeFigureOut">
               <a:rPr kumimoji="1" lang="ja-JP" altLang="en-US" smtClean="0"/>
-              <a:t>2023/8/16</a:t>
+              <a:t>2023/8/17</a:t>
             </a:fld>
             <a:endParaRPr kumimoji="1" lang="ja-JP" altLang="en-US"/>
           </a:p>
@@ -3395,7 +3395,7 @@
           <a:p>
             <a:fld id="{9BB07443-AEB1-4664-9E55-6F2729A80A57}" type="datetimeFigureOut">
               <a:rPr kumimoji="1" lang="ja-JP" altLang="en-US" smtClean="0"/>
-              <a:t>2023/8/16</a:t>
+              <a:t>2023/8/17</a:t>
             </a:fld>
             <a:endParaRPr kumimoji="1" lang="ja-JP" altLang="en-US"/>
           </a:p>
@@ -3668,7 +3668,7 @@
           <a:p>
             <a:fld id="{9BB07443-AEB1-4664-9E55-6F2729A80A57}" type="datetimeFigureOut">
               <a:rPr kumimoji="1" lang="ja-JP" altLang="en-US" smtClean="0"/>
-              <a:t>2023/8/16</a:t>
+              <a:t>2023/8/17</a:t>
             </a:fld>
             <a:endParaRPr kumimoji="1" lang="ja-JP" altLang="en-US"/>
           </a:p>
@@ -5224,7 +5224,7 @@
         <p:spPr>
           <a:xfrm>
             <a:off x="6196734" y="4340200"/>
-            <a:ext cx="2134676" cy="2308324"/>
+            <a:ext cx="2134676" cy="1477328"/>
           </a:xfrm>
           <a:prstGeom prst="rect">
             <a:avLst/>
@@ -5242,12 +5242,6 @@
               <a:t>修行にも種類があり、当然それぞれの修行で伸びるステータスも違います。</a:t>
             </a:r>
             <a:endParaRPr lang="en-US" altLang="ja-JP" dirty="0"/>
-          </a:p>
-          <a:p>
-            <a:r>
-              <a:rPr kumimoji="1" lang="ja-JP" altLang="en-US" dirty="0"/>
-              <a:t>また、時間は有限なので修行できる回数も限られます。</a:t>
-            </a:r>
           </a:p>
         </p:txBody>
       </p:sp>
@@ -5333,6 +5327,79 @@
           </a:prstGeom>
         </p:spPr>
       </p:pic>
+      <p:sp>
+        <p:nvSpPr>
+          <p:cNvPr id="20" name="テキスト ボックス 19">
+            <a:extLst>
+              <a:ext uri="{FF2B5EF4-FFF2-40B4-BE49-F238E27FC236}">
+                <a16:creationId xmlns:a16="http://schemas.microsoft.com/office/drawing/2014/main" id="{71391A8C-5A10-43A8-9EFE-D6BB0D2CFD4D}"/>
+              </a:ext>
+            </a:extLst>
+          </p:cNvPr>
+          <p:cNvSpPr txBox="1"/>
+          <p:nvPr/>
+        </p:nvSpPr>
+        <p:spPr>
+          <a:xfrm>
+            <a:off x="6196734" y="5803603"/>
+            <a:ext cx="2162175" cy="1200329"/>
+          </a:xfrm>
+          <a:prstGeom prst="rect">
+            <a:avLst/>
+          </a:prstGeom>
+          <a:noFill/>
+        </p:spPr>
+        <p:txBody>
+          <a:bodyPr wrap="square" rtlCol="0">
+            <a:spAutoFit/>
+          </a:bodyPr>
+          <a:lstStyle/>
+          <a:p>
+            <a:r>
+              <a:rPr lang="ja-JP" altLang="en-US" dirty="0"/>
+              <a:t>また、時間は有限なので修行できる回数も限られます。</a:t>
+            </a:r>
+          </a:p>
+          <a:p>
+            <a:endParaRPr kumimoji="1" lang="ja-JP" altLang="en-US" dirty="0"/>
+          </a:p>
+        </p:txBody>
+      </p:sp>
+      <p:sp>
+        <p:nvSpPr>
+          <p:cNvPr id="3" name="テキスト ボックス 2">
+            <a:extLst>
+              <a:ext uri="{FF2B5EF4-FFF2-40B4-BE49-F238E27FC236}">
+                <a16:creationId xmlns:a16="http://schemas.microsoft.com/office/drawing/2014/main" id="{0EBEA337-38E0-4922-AEDE-17875395DF3F}"/>
+              </a:ext>
+            </a:extLst>
+          </p:cNvPr>
+          <p:cNvSpPr txBox="1"/>
+          <p:nvPr/>
+        </p:nvSpPr>
+        <p:spPr>
+          <a:xfrm>
+            <a:off x="3714620" y="0"/>
+            <a:ext cx="2612289" cy="646331"/>
+          </a:xfrm>
+          <a:prstGeom prst="rect">
+            <a:avLst/>
+          </a:prstGeom>
+          <a:noFill/>
+        </p:spPr>
+        <p:txBody>
+          <a:bodyPr wrap="square" rtlCol="0">
+            <a:spAutoFit/>
+          </a:bodyPr>
+          <a:lstStyle/>
+          <a:p>
+            <a:r>
+              <a:rPr kumimoji="1" lang="ja-JP" altLang="en-US" sz="3600" dirty="0"/>
+              <a:t>ゲーム内容</a:t>
+            </a:r>
+          </a:p>
+        </p:txBody>
+      </p:sp>
     </p:spTree>
     <p:extLst>
       <p:ext uri="{BB962C8B-B14F-4D97-AF65-F5344CB8AC3E}">
@@ -5367,7 +5434,7 @@
                             </p:stCondLst>
                             <p:childTnLst>
                               <p:par>
-                                <p:cTn id="5" presetID="2" presetClass="entr" presetSubtype="8" fill="hold" nodeType="clickEffect">
+                                <p:cTn id="5" presetID="14" presetClass="entr" presetSubtype="10" fill="hold" grpId="0" nodeType="clickEffect">
                                   <p:stCondLst>
                                     <p:cond delay="0"/>
                                   </p:stCondLst>
@@ -5375,6 +5442,230 @@
                                     <p:set>
                                       <p:cBhvr>
                                         <p:cTn id="6" dur="1" fill="hold">
+                                          <p:stCondLst>
+                                            <p:cond delay="0"/>
+                                          </p:stCondLst>
+                                        </p:cTn>
+                                        <p:tgtEl>
+                                          <p:spTgt spid="13"/>
+                                        </p:tgtEl>
+                                        <p:attrNameLst>
+                                          <p:attrName>style.visibility</p:attrName>
+                                        </p:attrNameLst>
+                                      </p:cBhvr>
+                                      <p:to>
+                                        <p:strVal val="visible"/>
+                                      </p:to>
+                                    </p:set>
+                                    <p:animEffect transition="in" filter="randombar(horizontal)">
+                                      <p:cBhvr>
+                                        <p:cTn id="7" dur="500"/>
+                                        <p:tgtEl>
+                                          <p:spTgt spid="13"/>
+                                        </p:tgtEl>
+                                      </p:cBhvr>
+                                    </p:animEffect>
+                                  </p:childTnLst>
+                                </p:cTn>
+                              </p:par>
+                            </p:childTnLst>
+                          </p:cTn>
+                        </p:par>
+                        <p:par>
+                          <p:cTn id="8" fill="hold">
+                            <p:stCondLst>
+                              <p:cond delay="500"/>
+                            </p:stCondLst>
+                            <p:childTnLst>
+                              <p:par>
+                                <p:cTn id="9" presetID="45" presetClass="entr" presetSubtype="0" fill="hold" nodeType="afterEffect">
+                                  <p:stCondLst>
+                                    <p:cond delay="0"/>
+                                  </p:stCondLst>
+                                  <p:childTnLst>
+                                    <p:set>
+                                      <p:cBhvr>
+                                        <p:cTn id="10" dur="1" fill="hold">
+                                          <p:stCondLst>
+                                            <p:cond delay="0"/>
+                                          </p:stCondLst>
+                                        </p:cTn>
+                                        <p:tgtEl>
+                                          <p:spTgt spid="50"/>
+                                        </p:tgtEl>
+                                        <p:attrNameLst>
+                                          <p:attrName>style.visibility</p:attrName>
+                                        </p:attrNameLst>
+                                      </p:cBhvr>
+                                      <p:to>
+                                        <p:strVal val="visible"/>
+                                      </p:to>
+                                    </p:set>
+                                    <p:animEffect transition="in" filter="fade">
+                                      <p:cBhvr>
+                                        <p:cTn id="11" dur="2000"/>
+                                        <p:tgtEl>
+                                          <p:spTgt spid="50"/>
+                                        </p:tgtEl>
+                                      </p:cBhvr>
+                                    </p:animEffect>
+                                    <p:anim calcmode="lin" valueType="num">
+                                      <p:cBhvr>
+                                        <p:cTn id="12" dur="2000" fill="hold"/>
+                                        <p:tgtEl>
+                                          <p:spTgt spid="50"/>
+                                        </p:tgtEl>
+                                        <p:attrNameLst>
+                                          <p:attrName>ppt_w</p:attrName>
+                                        </p:attrNameLst>
+                                      </p:cBhvr>
+                                      <p:tavLst>
+                                        <p:tav tm="0" fmla="#ppt_w*sin(2.5*pi*$)">
+                                          <p:val>
+                                            <p:fltVal val="0"/>
+                                          </p:val>
+                                        </p:tav>
+                                        <p:tav tm="100000">
+                                          <p:val>
+                                            <p:fltVal val="1"/>
+                                          </p:val>
+                                        </p:tav>
+                                      </p:tavLst>
+                                    </p:anim>
+                                    <p:anim calcmode="lin" valueType="num">
+                                      <p:cBhvr>
+                                        <p:cTn id="13" dur="2000" fill="hold"/>
+                                        <p:tgtEl>
+                                          <p:spTgt spid="50"/>
+                                        </p:tgtEl>
+                                        <p:attrNameLst>
+                                          <p:attrName>ppt_h</p:attrName>
+                                        </p:attrNameLst>
+                                      </p:cBhvr>
+                                      <p:tavLst>
+                                        <p:tav tm="0">
+                                          <p:val>
+                                            <p:strVal val="#ppt_h"/>
+                                          </p:val>
+                                        </p:tav>
+                                        <p:tav tm="100000">
+                                          <p:val>
+                                            <p:strVal val="#ppt_h"/>
+                                          </p:val>
+                                        </p:tav>
+                                      </p:tavLst>
+                                    </p:anim>
+                                  </p:childTnLst>
+                                </p:cTn>
+                              </p:par>
+                              <p:par>
+                                <p:cTn id="14" presetID="45" presetClass="entr" presetSubtype="0" fill="hold" nodeType="withEffect">
+                                  <p:stCondLst>
+                                    <p:cond delay="0"/>
+                                  </p:stCondLst>
+                                  <p:childTnLst>
+                                    <p:set>
+                                      <p:cBhvr>
+                                        <p:cTn id="15" dur="1" fill="hold">
+                                          <p:stCondLst>
+                                            <p:cond delay="0"/>
+                                          </p:stCondLst>
+                                        </p:cTn>
+                                        <p:tgtEl>
+                                          <p:spTgt spid="5"/>
+                                        </p:tgtEl>
+                                        <p:attrNameLst>
+                                          <p:attrName>style.visibility</p:attrName>
+                                        </p:attrNameLst>
+                                      </p:cBhvr>
+                                      <p:to>
+                                        <p:strVal val="visible"/>
+                                      </p:to>
+                                    </p:set>
+                                    <p:animEffect transition="in" filter="fade">
+                                      <p:cBhvr>
+                                        <p:cTn id="16" dur="2000"/>
+                                        <p:tgtEl>
+                                          <p:spTgt spid="5"/>
+                                        </p:tgtEl>
+                                      </p:cBhvr>
+                                    </p:animEffect>
+                                    <p:anim calcmode="lin" valueType="num">
+                                      <p:cBhvr>
+                                        <p:cTn id="17" dur="2000" fill="hold"/>
+                                        <p:tgtEl>
+                                          <p:spTgt spid="5"/>
+                                        </p:tgtEl>
+                                        <p:attrNameLst>
+                                          <p:attrName>ppt_w</p:attrName>
+                                        </p:attrNameLst>
+                                      </p:cBhvr>
+                                      <p:tavLst>
+                                        <p:tav tm="0" fmla="#ppt_w*sin(2.5*pi*$)">
+                                          <p:val>
+                                            <p:fltVal val="0"/>
+                                          </p:val>
+                                        </p:tav>
+                                        <p:tav tm="100000">
+                                          <p:val>
+                                            <p:fltVal val="1"/>
+                                          </p:val>
+                                        </p:tav>
+                                      </p:tavLst>
+                                    </p:anim>
+                                    <p:anim calcmode="lin" valueType="num">
+                                      <p:cBhvr>
+                                        <p:cTn id="18" dur="2000" fill="hold"/>
+                                        <p:tgtEl>
+                                          <p:spTgt spid="5"/>
+                                        </p:tgtEl>
+                                        <p:attrNameLst>
+                                          <p:attrName>ppt_h</p:attrName>
+                                        </p:attrNameLst>
+                                      </p:cBhvr>
+                                      <p:tavLst>
+                                        <p:tav tm="0">
+                                          <p:val>
+                                            <p:strVal val="#ppt_h"/>
+                                          </p:val>
+                                        </p:tav>
+                                        <p:tav tm="100000">
+                                          <p:val>
+                                            <p:strVal val="#ppt_h"/>
+                                          </p:val>
+                                        </p:tav>
+                                      </p:tavLst>
+                                    </p:anim>
+                                  </p:childTnLst>
+                                </p:cTn>
+                              </p:par>
+                            </p:childTnLst>
+                          </p:cTn>
+                        </p:par>
+                      </p:childTnLst>
+                    </p:cTn>
+                  </p:par>
+                  <p:par>
+                    <p:cTn id="19" fill="hold">
+                      <p:stCondLst>
+                        <p:cond delay="indefinite"/>
+                      </p:stCondLst>
+                      <p:childTnLst>
+                        <p:par>
+                          <p:cTn id="20" fill="hold">
+                            <p:stCondLst>
+                              <p:cond delay="0"/>
+                            </p:stCondLst>
+                            <p:childTnLst>
+                              <p:par>
+                                <p:cTn id="21" presetID="2" presetClass="entr" presetSubtype="8" fill="hold" nodeType="clickEffect">
+                                  <p:stCondLst>
+                                    <p:cond delay="0"/>
+                                  </p:stCondLst>
+                                  <p:childTnLst>
+                                    <p:set>
+                                      <p:cBhvr>
+                                        <p:cTn id="22" dur="1" fill="hold">
                                           <p:stCondLst>
                                             <p:cond delay="0"/>
                                           </p:stCondLst>
@@ -5392,7 +5683,7 @@
                                     </p:set>
                                     <p:anim calcmode="lin" valueType="num">
                                       <p:cBhvr additive="base">
-                                        <p:cTn id="7" dur="500" fill="hold"/>
+                                        <p:cTn id="23" dur="500" fill="hold"/>
                                         <p:tgtEl>
                                           <p:spTgt spid="15"/>
                                         </p:tgtEl>
@@ -5415,7 +5706,7 @@
                                     </p:anim>
                                     <p:anim calcmode="lin" valueType="num">
                                       <p:cBhvr additive="base">
-                                        <p:cTn id="8" dur="500" fill="hold"/>
+                                        <p:cTn id="24" dur="500" fill="hold"/>
                                         <p:tgtEl>
                                           <p:spTgt spid="15"/>
                                         </p:tgtEl>
@@ -5443,20 +5734,20 @@
                           </p:cTn>
                         </p:par>
                         <p:par>
-                          <p:cTn id="9" fill="hold">
+                          <p:cTn id="25" fill="hold">
                             <p:stCondLst>
                               <p:cond delay="500"/>
                             </p:stCondLst>
                             <p:childTnLst>
                               <p:par>
-                                <p:cTn id="10" presetID="14" presetClass="entr" presetSubtype="10" fill="hold" nodeType="afterEffect">
+                                <p:cTn id="26" presetID="14" presetClass="entr" presetSubtype="10" fill="hold" nodeType="afterEffect">
                                   <p:stCondLst>
                                     <p:cond delay="0"/>
                                   </p:stCondLst>
                                   <p:childTnLst>
                                     <p:set>
                                       <p:cBhvr>
-                                        <p:cTn id="11" dur="1" fill="hold">
+                                        <p:cTn id="27" dur="1" fill="hold">
                                           <p:stCondLst>
                                             <p:cond delay="0"/>
                                           </p:stCondLst>
@@ -5474,7 +5765,7 @@
                                     </p:set>
                                     <p:animEffect transition="in" filter="randombar(horizontal)">
                                       <p:cBhvr>
-                                        <p:cTn id="12" dur="500"/>
+                                        <p:cTn id="28" dur="500"/>
                                         <p:tgtEl>
                                           <p:spTgt spid="18"/>
                                         </p:tgtEl>
@@ -5484,14 +5775,14 @@
                                 </p:cTn>
                               </p:par>
                               <p:par>
-                                <p:cTn id="13" presetID="22" presetClass="entr" presetSubtype="4" fill="hold" grpId="0" nodeType="withEffect">
+                                <p:cTn id="29" presetID="22" presetClass="entr" presetSubtype="4" fill="hold" grpId="0" nodeType="withEffect">
                                   <p:stCondLst>
                                     <p:cond delay="0"/>
                                   </p:stCondLst>
                                   <p:childTnLst>
                                     <p:set>
                                       <p:cBhvr>
-                                        <p:cTn id="14" dur="1" fill="hold">
+                                        <p:cTn id="30" dur="1" fill="hold">
                                           <p:stCondLst>
                                             <p:cond delay="0"/>
                                           </p:stCondLst>
@@ -5509,7 +5800,7 @@
                                     </p:set>
                                     <p:animEffect transition="in" filter="wipe(down)">
                                       <p:cBhvr>
-                                        <p:cTn id="15" dur="500"/>
+                                        <p:cTn id="31" dur="500"/>
                                         <p:tgtEl>
                                           <p:spTgt spid="19"/>
                                         </p:tgtEl>
@@ -5525,26 +5816,26 @@
                     </p:cTn>
                   </p:par>
                   <p:par>
-                    <p:cTn id="16" fill="hold">
+                    <p:cTn id="32" fill="hold">
                       <p:stCondLst>
                         <p:cond delay="indefinite"/>
                       </p:stCondLst>
                       <p:childTnLst>
                         <p:par>
-                          <p:cTn id="17" fill="hold">
+                          <p:cTn id="33" fill="hold">
                             <p:stCondLst>
                               <p:cond delay="0"/>
                             </p:stCondLst>
                             <p:childTnLst>
                               <p:par>
-                                <p:cTn id="18" presetID="47" presetClass="entr" presetSubtype="0" fill="hold" nodeType="clickEffect">
+                                <p:cTn id="34" presetID="47" presetClass="entr" presetSubtype="0" fill="hold" nodeType="clickEffect">
                                   <p:stCondLst>
                                     <p:cond delay="0"/>
                                   </p:stCondLst>
                                   <p:childTnLst>
                                     <p:set>
                                       <p:cBhvr>
-                                        <p:cTn id="19" dur="1" fill="hold">
+                                        <p:cTn id="35" dur="1" fill="hold">
                                           <p:stCondLst>
                                             <p:cond delay="0"/>
                                           </p:stCondLst>
@@ -5562,7 +5853,7 @@
                                     </p:set>
                                     <p:animEffect transition="in" filter="fade">
                                       <p:cBhvr>
-                                        <p:cTn id="20" dur="1000"/>
+                                        <p:cTn id="36" dur="1000"/>
                                         <p:tgtEl>
                                           <p:spTgt spid="39"/>
                                         </p:tgtEl>
@@ -5570,7 +5861,7 @@
                                     </p:animEffect>
                                     <p:anim calcmode="lin" valueType="num">
                                       <p:cBhvr>
-                                        <p:cTn id="21" dur="1000" fill="hold"/>
+                                        <p:cTn id="37" dur="1000" fill="hold"/>
                                         <p:tgtEl>
                                           <p:spTgt spid="39"/>
                                         </p:tgtEl>
@@ -5593,7 +5884,7 @@
                                     </p:anim>
                                     <p:anim calcmode="lin" valueType="num">
                                       <p:cBhvr>
-                                        <p:cTn id="22" dur="1000" fill="hold"/>
+                                        <p:cTn id="38" dur="1000" fill="hold"/>
                                         <p:tgtEl>
                                           <p:spTgt spid="39"/>
                                         </p:tgtEl>
@@ -5618,14 +5909,14 @@
                                 </p:cTn>
                               </p:par>
                               <p:par>
-                                <p:cTn id="23" presetID="31" presetClass="entr" presetSubtype="0" fill="hold" grpId="0" nodeType="withEffect">
+                                <p:cTn id="39" presetID="31" presetClass="entr" presetSubtype="0" fill="hold" grpId="0" nodeType="withEffect">
                                   <p:stCondLst>
                                     <p:cond delay="0"/>
                                   </p:stCondLst>
                                   <p:childTnLst>
                                     <p:set>
                                       <p:cBhvr>
-                                        <p:cTn id="24" dur="1" fill="hold">
+                                        <p:cTn id="40" dur="1" fill="hold">
                                           <p:stCondLst>
                                             <p:cond delay="0"/>
                                           </p:stCondLst>
@@ -5643,7 +5934,7 @@
                                     </p:set>
                                     <p:anim calcmode="lin" valueType="num">
                                       <p:cBhvr>
-                                        <p:cTn id="25" dur="1000" fill="hold"/>
+                                        <p:cTn id="41" dur="1000" fill="hold"/>
                                         <p:tgtEl>
                                           <p:spTgt spid="24"/>
                                         </p:tgtEl>
@@ -5666,7 +5957,7 @@
                                     </p:anim>
                                     <p:anim calcmode="lin" valueType="num">
                                       <p:cBhvr>
-                                        <p:cTn id="26" dur="1000" fill="hold"/>
+                                        <p:cTn id="42" dur="1000" fill="hold"/>
                                         <p:tgtEl>
                                           <p:spTgt spid="24"/>
                                         </p:tgtEl>
@@ -5689,7 +5980,7 @@
                                     </p:anim>
                                     <p:anim calcmode="lin" valueType="num">
                                       <p:cBhvr>
-                                        <p:cTn id="27" dur="1000" fill="hold"/>
+                                        <p:cTn id="43" dur="1000" fill="hold"/>
                                         <p:tgtEl>
                                           <p:spTgt spid="24"/>
                                         </p:tgtEl>
@@ -5712,7 +6003,7 @@
                                     </p:anim>
                                     <p:animEffect transition="in" filter="fade">
                                       <p:cBhvr>
-                                        <p:cTn id="28" dur="1000"/>
+                                        <p:cTn id="44" dur="1000"/>
                                         <p:tgtEl>
                                           <p:spTgt spid="24"/>
                                         </p:tgtEl>
@@ -5722,14 +6013,14 @@
                                 </p:cTn>
                               </p:par>
                               <p:par>
-                                <p:cTn id="29" presetID="6" presetClass="entr" presetSubtype="16" fill="hold" nodeType="withEffect">
+                                <p:cTn id="45" presetID="6" presetClass="entr" presetSubtype="16" fill="hold" nodeType="withEffect">
                                   <p:stCondLst>
                                     <p:cond delay="0"/>
                                   </p:stCondLst>
                                   <p:childTnLst>
                                     <p:set>
                                       <p:cBhvr>
-                                        <p:cTn id="30" dur="1" fill="hold">
+                                        <p:cTn id="46" dur="1" fill="hold">
                                           <p:stCondLst>
                                             <p:cond delay="0"/>
                                           </p:stCondLst>
@@ -5747,7 +6038,7 @@
                                     </p:set>
                                     <p:animEffect transition="in" filter="circle(in)">
                                       <p:cBhvr>
-                                        <p:cTn id="31" dur="2000"/>
+                                        <p:cTn id="47" dur="2000"/>
                                         <p:tgtEl>
                                           <p:spTgt spid="21"/>
                                         </p:tgtEl>
@@ -5760,20 +6051,20 @@
                           </p:cTn>
                         </p:par>
                         <p:par>
-                          <p:cTn id="32" fill="hold">
+                          <p:cTn id="48" fill="hold">
                             <p:stCondLst>
                               <p:cond delay="2000"/>
                             </p:stCondLst>
                             <p:childTnLst>
                               <p:par>
-                                <p:cTn id="33" presetID="26" presetClass="entr" presetSubtype="0" fill="hold" nodeType="afterEffect">
+                                <p:cTn id="49" presetID="26" presetClass="entr" presetSubtype="0" fill="hold" nodeType="afterEffect">
                                   <p:stCondLst>
                                     <p:cond delay="0"/>
                                   </p:stCondLst>
                                   <p:childTnLst>
                                     <p:set>
                                       <p:cBhvr>
-                                        <p:cTn id="34" dur="1" fill="hold">
+                                        <p:cTn id="50" dur="1" fill="hold">
                                           <p:stCondLst>
                                             <p:cond delay="0"/>
                                           </p:stCondLst>
@@ -5791,7 +6082,7 @@
                                     </p:set>
                                     <p:animEffect transition="in" filter="wipe(down)">
                                       <p:cBhvr>
-                                        <p:cTn id="35" dur="580">
+                                        <p:cTn id="51" dur="580">
                                           <p:stCondLst>
                                             <p:cond delay="0"/>
                                           </p:stCondLst>
@@ -5803,7 +6094,7 @@
                                     </p:animEffect>
                                     <p:anim calcmode="lin" valueType="num">
                                       <p:cBhvr>
-                                        <p:cTn id="36" dur="1822" tmFilter="0,0; 0.14,0.36; 0.43,0.73; 0.71,0.91; 1.0,1.0">
+                                        <p:cTn id="52" dur="1822" tmFilter="0,0; 0.14,0.36; 0.43,0.73; 0.71,0.91; 1.0,1.0">
                                           <p:stCondLst>
                                             <p:cond delay="0"/>
                                           </p:stCondLst>
@@ -5830,7 +6121,7 @@
                                     </p:anim>
                                     <p:anim calcmode="lin" valueType="num">
                                       <p:cBhvr>
-                                        <p:cTn id="37" dur="664" tmFilter="0.0,0.0; 0.25,0.07; 0.50,0.2; 0.75,0.467; 1.0,1.0">
+                                        <p:cTn id="53" dur="664" tmFilter="0.0,0.0; 0.25,0.07; 0.50,0.2; 0.75,0.467; 1.0,1.0">
                                           <p:stCondLst>
                                             <p:cond delay="0"/>
                                           </p:stCondLst>
@@ -5857,7 +6148,7 @@
                                     </p:anim>
                                     <p:anim calcmode="lin" valueType="num">
                                       <p:cBhvr>
-                                        <p:cTn id="38" dur="664" tmFilter="0, 0; 0.125,0.2665; 0.25,0.4; 0.375,0.465; 0.5,0.5;  0.625,0.535; 0.75,0.6; 0.875,0.7335; 1,1">
+                                        <p:cTn id="54" dur="664" tmFilter="0, 0; 0.125,0.2665; 0.25,0.4; 0.375,0.465; 0.5,0.5;  0.625,0.535; 0.75,0.6; 0.875,0.7335; 1,1">
                                           <p:stCondLst>
                                             <p:cond delay="664"/>
                                           </p:stCondLst>
@@ -5884,7 +6175,7 @@
                                     </p:anim>
                                     <p:anim calcmode="lin" valueType="num">
                                       <p:cBhvr>
-                                        <p:cTn id="39" dur="332" tmFilter="0, 0; 0.125,0.2665; 0.25,0.4; 0.375,0.465; 0.5,0.5;  0.625,0.535; 0.75,0.6; 0.875,0.7335; 1,1">
+                                        <p:cTn id="55" dur="332" tmFilter="0, 0; 0.125,0.2665; 0.25,0.4; 0.375,0.465; 0.5,0.5;  0.625,0.535; 0.75,0.6; 0.875,0.7335; 1,1">
                                           <p:stCondLst>
                                             <p:cond delay="1324"/>
                                           </p:stCondLst>
@@ -5911,7 +6202,7 @@
                                     </p:anim>
                                     <p:anim calcmode="lin" valueType="num">
                                       <p:cBhvr>
-                                        <p:cTn id="40" dur="164" tmFilter="0, 0; 0.125,0.2665; 0.25,0.4; 0.375,0.465; 0.5,0.5;  0.625,0.535; 0.75,0.6; 0.875,0.7335; 1,1">
+                                        <p:cTn id="56" dur="164" tmFilter="0, 0; 0.125,0.2665; 0.25,0.4; 0.375,0.465; 0.5,0.5;  0.625,0.535; 0.75,0.6; 0.875,0.7335; 1,1">
                                           <p:stCondLst>
                                             <p:cond delay="1656"/>
                                           </p:stCondLst>
@@ -5938,7 +6229,7 @@
                                     </p:anim>
                                     <p:animScale>
                                       <p:cBhvr>
-                                        <p:cTn id="41" dur="26">
+                                        <p:cTn id="57" dur="26">
                                           <p:stCondLst>
                                             <p:cond delay="650"/>
                                           </p:stCondLst>
@@ -5951,7 +6242,7 @@
                                     </p:animScale>
                                     <p:animScale>
                                       <p:cBhvr>
-                                        <p:cTn id="42" dur="166" decel="50000">
+                                        <p:cTn id="58" dur="166" decel="50000">
                                           <p:stCondLst>
                                             <p:cond delay="676"/>
                                           </p:stCondLst>
@@ -5964,7 +6255,7 @@
                                     </p:animScale>
                                     <p:animScale>
                                       <p:cBhvr>
-                                        <p:cTn id="43" dur="26">
+                                        <p:cTn id="59" dur="26">
                                           <p:stCondLst>
                                             <p:cond delay="1312"/>
                                           </p:stCondLst>
@@ -5977,7 +6268,7 @@
                                     </p:animScale>
                                     <p:animScale>
                                       <p:cBhvr>
-                                        <p:cTn id="44" dur="166" decel="50000">
+                                        <p:cTn id="60" dur="166" decel="50000">
                                           <p:stCondLst>
                                             <p:cond delay="1338"/>
                                           </p:stCondLst>
@@ -5990,7 +6281,7 @@
                                     </p:animScale>
                                     <p:animScale>
                                       <p:cBhvr>
-                                        <p:cTn id="45" dur="26">
+                                        <p:cTn id="61" dur="26">
                                           <p:stCondLst>
                                             <p:cond delay="1642"/>
                                           </p:stCondLst>
@@ -6003,7 +6294,7 @@
                                     </p:animScale>
                                     <p:animScale>
                                       <p:cBhvr>
-                                        <p:cTn id="46" dur="166" decel="50000">
+                                        <p:cTn id="62" dur="166" decel="50000">
                                           <p:stCondLst>
                                             <p:cond delay="1668"/>
                                           </p:stCondLst>
@@ -6016,7 +6307,7 @@
                                     </p:animScale>
                                     <p:animScale>
                                       <p:cBhvr>
-                                        <p:cTn id="47" dur="26">
+                                        <p:cTn id="63" dur="26">
                                           <p:stCondLst>
                                             <p:cond delay="1808"/>
                                           </p:stCondLst>
@@ -6029,7 +6320,7 @@
                                     </p:animScale>
                                     <p:animScale>
                                       <p:cBhvr>
-                                        <p:cTn id="48" dur="166" decel="50000">
+                                        <p:cTn id="64" dur="166" decel="50000">
                                           <p:stCondLst>
                                             <p:cond delay="1834"/>
                                           </p:stCondLst>
@@ -6043,24 +6334,15 @@
                                   </p:childTnLst>
                                 </p:cTn>
                               </p:par>
-                            </p:childTnLst>
-                          </p:cTn>
-                        </p:par>
-                        <p:par>
-                          <p:cTn id="49" fill="hold">
-                            <p:stCondLst>
-                              <p:cond delay="4000"/>
-                            </p:stCondLst>
-                            <p:childTnLst>
                               <p:par>
-                                <p:cTn id="50" presetID="31" presetClass="entr" presetSubtype="0" fill="hold" nodeType="afterEffect">
+                                <p:cTn id="65" presetID="31" presetClass="entr" presetSubtype="0" fill="hold" nodeType="withEffect">
                                   <p:stCondLst>
                                     <p:cond delay="0"/>
                                   </p:stCondLst>
                                   <p:childTnLst>
                                     <p:set>
                                       <p:cBhvr>
-                                        <p:cTn id="51" dur="1" fill="hold">
+                                        <p:cTn id="66" dur="1" fill="hold">
                                           <p:stCondLst>
                                             <p:cond delay="0"/>
                                           </p:stCondLst>
@@ -6078,7 +6360,7 @@
                                     </p:set>
                                     <p:anim calcmode="lin" valueType="num">
                                       <p:cBhvr>
-                                        <p:cTn id="52" dur="1000" fill="hold"/>
+                                        <p:cTn id="67" dur="1000" fill="hold"/>
                                         <p:tgtEl>
                                           <p:spTgt spid="51"/>
                                         </p:tgtEl>
@@ -6101,7 +6383,7 @@
                                     </p:anim>
                                     <p:anim calcmode="lin" valueType="num">
                                       <p:cBhvr>
-                                        <p:cTn id="53" dur="1000" fill="hold"/>
+                                        <p:cTn id="68" dur="1000" fill="hold"/>
                                         <p:tgtEl>
                                           <p:spTgt spid="51"/>
                                         </p:tgtEl>
@@ -6124,7 +6406,7 @@
                                     </p:anim>
                                     <p:anim calcmode="lin" valueType="num">
                                       <p:cBhvr>
-                                        <p:cTn id="54" dur="1000" fill="hold"/>
+                                        <p:cTn id="69" dur="1000" fill="hold"/>
                                         <p:tgtEl>
                                           <p:spTgt spid="51"/>
                                         </p:tgtEl>
@@ -6147,7 +6429,7 @@
                                     </p:anim>
                                     <p:animEffect transition="in" filter="fade">
                                       <p:cBhvr>
-                                        <p:cTn id="55" dur="1000"/>
+                                        <p:cTn id="70" dur="1000"/>
                                         <p:tgtEl>
                                           <p:spTgt spid="51"/>
                                         </p:tgtEl>
@@ -6163,26 +6445,26 @@
                     </p:cTn>
                   </p:par>
                   <p:par>
-                    <p:cTn id="56" fill="hold">
+                    <p:cTn id="71" fill="hold">
                       <p:stCondLst>
                         <p:cond delay="indefinite"/>
                       </p:stCondLst>
                       <p:childTnLst>
                         <p:par>
-                          <p:cTn id="57" fill="hold">
+                          <p:cTn id="72" fill="hold">
                             <p:stCondLst>
                               <p:cond delay="0"/>
                             </p:stCondLst>
                             <p:childTnLst>
                               <p:par>
-                                <p:cTn id="58" presetID="2" presetClass="entr" presetSubtype="4" fill="hold" grpId="0" nodeType="clickEffect">
+                                <p:cTn id="73" presetID="42" presetClass="entr" presetSubtype="0" fill="hold" grpId="0" nodeType="clickEffect">
                                   <p:stCondLst>
                                     <p:cond delay="0"/>
                                   </p:stCondLst>
                                   <p:childTnLst>
                                     <p:set>
                                       <p:cBhvr>
-                                        <p:cTn id="59" dur="1" fill="hold">
+                                        <p:cTn id="74" dur="1" fill="hold">
                                           <p:stCondLst>
                                             <p:cond delay="0"/>
                                           </p:stCondLst>
@@ -6198,9 +6480,17 @@
                                         <p:strVal val="visible"/>
                                       </p:to>
                                     </p:set>
+                                    <p:animEffect transition="in" filter="fade">
+                                      <p:cBhvr>
+                                        <p:cTn id="75" dur="1000"/>
+                                        <p:tgtEl>
+                                          <p:spTgt spid="49"/>
+                                        </p:tgtEl>
+                                      </p:cBhvr>
+                                    </p:animEffect>
                                     <p:anim calcmode="lin" valueType="num">
-                                      <p:cBhvr additive="base">
-                                        <p:cTn id="60" dur="500" fill="hold"/>
+                                      <p:cBhvr>
+                                        <p:cTn id="76" dur="1000" fill="hold"/>
                                         <p:tgtEl>
                                           <p:spTgt spid="49"/>
                                         </p:tgtEl>
@@ -6222,8 +6512,8 @@
                                       </p:tavLst>
                                     </p:anim>
                                     <p:anim calcmode="lin" valueType="num">
-                                      <p:cBhvr additive="base">
-                                        <p:cTn id="61" dur="500" fill="hold"/>
+                                      <p:cBhvr>
+                                        <p:cTn id="77" dur="1000" fill="hold"/>
                                         <p:tgtEl>
                                           <p:spTgt spid="49"/>
                                         </p:tgtEl>
@@ -6234,7 +6524,7 @@
                                       <p:tavLst>
                                         <p:tav tm="0">
                                           <p:val>
-                                            <p:strVal val="1+#ppt_h/2"/>
+                                            <p:strVal val="#ppt_y+.1"/>
                                           </p:val>
                                         </p:tav>
                                         <p:tav tm="100000">
@@ -6251,26 +6541,26 @@
                           </p:cTn>
                         </p:par>
                         <p:par>
-                          <p:cTn id="62" fill="hold">
+                          <p:cTn id="78" fill="hold">
                             <p:stCondLst>
-                              <p:cond delay="500"/>
+                              <p:cond delay="1000"/>
                             </p:stCondLst>
                             <p:childTnLst>
                               <p:par>
-                                <p:cTn id="63" presetID="26" presetClass="entr" presetSubtype="0" fill="hold" nodeType="afterEffect">
+                                <p:cTn id="79" presetID="26" presetClass="entr" presetSubtype="0" fill="hold" nodeType="afterEffect">
                                   <p:stCondLst>
                                     <p:cond delay="0"/>
                                   </p:stCondLst>
                                   <p:childTnLst>
                                     <p:set>
                                       <p:cBhvr>
-                                        <p:cTn id="64" dur="1" fill="hold">
+                                        <p:cTn id="80" dur="1" fill="hold">
                                           <p:stCondLst>
                                             <p:cond delay="0"/>
                                           </p:stCondLst>
                                         </p:cTn>
                                         <p:tgtEl>
-                                          <p:spTgt spid="44"/>
+                                          <p:spTgt spid="46"/>
                                         </p:tgtEl>
                                         <p:attrNameLst>
                                           <p:attrName>style.visibility</p:attrName>
@@ -6282,25 +6572,25 @@
                                     </p:set>
                                     <p:animEffect transition="in" filter="wipe(down)">
                                       <p:cBhvr>
-                                        <p:cTn id="65" dur="580">
+                                        <p:cTn id="81" dur="580">
                                           <p:stCondLst>
                                             <p:cond delay="0"/>
                                           </p:stCondLst>
                                         </p:cTn>
                                         <p:tgtEl>
-                                          <p:spTgt spid="44"/>
+                                          <p:spTgt spid="46"/>
                                         </p:tgtEl>
                                       </p:cBhvr>
                                     </p:animEffect>
                                     <p:anim calcmode="lin" valueType="num">
                                       <p:cBhvr>
-                                        <p:cTn id="66" dur="1822" tmFilter="0,0; 0.14,0.36; 0.43,0.73; 0.71,0.91; 1.0,1.0">
+                                        <p:cTn id="82" dur="1822" tmFilter="0,0; 0.14,0.36; 0.43,0.73; 0.71,0.91; 1.0,1.0">
                                           <p:stCondLst>
                                             <p:cond delay="0"/>
                                           </p:stCondLst>
                                         </p:cTn>
                                         <p:tgtEl>
-                                          <p:spTgt spid="44"/>
+                                          <p:spTgt spid="46"/>
                                         </p:tgtEl>
                                         <p:attrNameLst>
                                           <p:attrName>ppt_x</p:attrName>
@@ -6321,13 +6611,13 @@
                                     </p:anim>
                                     <p:anim calcmode="lin" valueType="num">
                                       <p:cBhvr>
-                                        <p:cTn id="67" dur="664" tmFilter="0.0,0.0; 0.25,0.07; 0.50,0.2; 0.75,0.467; 1.0,1.0">
+                                        <p:cTn id="83" dur="664" tmFilter="0.0,0.0; 0.25,0.07; 0.50,0.2; 0.75,0.467; 1.0,1.0">
                                           <p:stCondLst>
                                             <p:cond delay="0"/>
                                           </p:stCondLst>
                                         </p:cTn>
                                         <p:tgtEl>
-                                          <p:spTgt spid="44"/>
+                                          <p:spTgt spid="46"/>
                                         </p:tgtEl>
                                         <p:attrNameLst>
                                           <p:attrName>ppt_y</p:attrName>
@@ -6348,13 +6638,13 @@
                                     </p:anim>
                                     <p:anim calcmode="lin" valueType="num">
                                       <p:cBhvr>
-                                        <p:cTn id="68" dur="664" tmFilter="0, 0; 0.125,0.2665; 0.25,0.4; 0.375,0.465; 0.5,0.5;  0.625,0.535; 0.75,0.6; 0.875,0.7335; 1,1">
+                                        <p:cTn id="84" dur="664" tmFilter="0, 0; 0.125,0.2665; 0.25,0.4; 0.375,0.465; 0.5,0.5;  0.625,0.535; 0.75,0.6; 0.875,0.7335; 1,1">
                                           <p:stCondLst>
                                             <p:cond delay="664"/>
                                           </p:stCondLst>
                                         </p:cTn>
                                         <p:tgtEl>
-                                          <p:spTgt spid="44"/>
+                                          <p:spTgt spid="46"/>
                                         </p:tgtEl>
                                         <p:attrNameLst>
                                           <p:attrName>ppt_y</p:attrName>
@@ -6375,13 +6665,13 @@
                                     </p:anim>
                                     <p:anim calcmode="lin" valueType="num">
                                       <p:cBhvr>
-                                        <p:cTn id="69" dur="332" tmFilter="0, 0; 0.125,0.2665; 0.25,0.4; 0.375,0.465; 0.5,0.5;  0.625,0.535; 0.75,0.6; 0.875,0.7335; 1,1">
+                                        <p:cTn id="85" dur="332" tmFilter="0, 0; 0.125,0.2665; 0.25,0.4; 0.375,0.465; 0.5,0.5;  0.625,0.535; 0.75,0.6; 0.875,0.7335; 1,1">
                                           <p:stCondLst>
                                             <p:cond delay="1324"/>
                                           </p:stCondLst>
                                         </p:cTn>
                                         <p:tgtEl>
-                                          <p:spTgt spid="44"/>
+                                          <p:spTgt spid="46"/>
                                         </p:tgtEl>
                                         <p:attrNameLst>
                                           <p:attrName>ppt_y</p:attrName>
@@ -6402,13 +6692,13 @@
                                     </p:anim>
                                     <p:anim calcmode="lin" valueType="num">
                                       <p:cBhvr>
-                                        <p:cTn id="70" dur="164" tmFilter="0, 0; 0.125,0.2665; 0.25,0.4; 0.375,0.465; 0.5,0.5;  0.625,0.535; 0.75,0.6; 0.875,0.7335; 1,1">
+                                        <p:cTn id="86" dur="164" tmFilter="0, 0; 0.125,0.2665; 0.25,0.4; 0.375,0.465; 0.5,0.5;  0.625,0.535; 0.75,0.6; 0.875,0.7335; 1,1">
                                           <p:stCondLst>
                                             <p:cond delay="1656"/>
                                           </p:stCondLst>
                                         </p:cTn>
                                         <p:tgtEl>
-                                          <p:spTgt spid="44"/>
+                                          <p:spTgt spid="46"/>
                                         </p:tgtEl>
                                         <p:attrNameLst>
                                           <p:attrName>ppt_y</p:attrName>
@@ -6429,104 +6719,104 @@
                                     </p:anim>
                                     <p:animScale>
                                       <p:cBhvr>
-                                        <p:cTn id="71" dur="26">
+                                        <p:cTn id="87" dur="26">
                                           <p:stCondLst>
                                             <p:cond delay="650"/>
                                           </p:stCondLst>
                                         </p:cTn>
                                         <p:tgtEl>
-                                          <p:spTgt spid="44"/>
+                                          <p:spTgt spid="46"/>
                                         </p:tgtEl>
                                       </p:cBhvr>
                                       <p:to x="100000" y="60000"/>
                                     </p:animScale>
                                     <p:animScale>
                                       <p:cBhvr>
-                                        <p:cTn id="72" dur="166" decel="50000">
+                                        <p:cTn id="88" dur="166" decel="50000">
                                           <p:stCondLst>
                                             <p:cond delay="676"/>
                                           </p:stCondLst>
                                         </p:cTn>
                                         <p:tgtEl>
-                                          <p:spTgt spid="44"/>
+                                          <p:spTgt spid="46"/>
                                         </p:tgtEl>
                                       </p:cBhvr>
                                       <p:to x="100000" y="100000"/>
                                     </p:animScale>
                                     <p:animScale>
                                       <p:cBhvr>
-                                        <p:cTn id="73" dur="26">
+                                        <p:cTn id="89" dur="26">
                                           <p:stCondLst>
                                             <p:cond delay="1312"/>
                                           </p:stCondLst>
                                         </p:cTn>
                                         <p:tgtEl>
-                                          <p:spTgt spid="44"/>
+                                          <p:spTgt spid="46"/>
                                         </p:tgtEl>
                                       </p:cBhvr>
                                       <p:to x="100000" y="80000"/>
                                     </p:animScale>
                                     <p:animScale>
                                       <p:cBhvr>
-                                        <p:cTn id="74" dur="166" decel="50000">
+                                        <p:cTn id="90" dur="166" decel="50000">
                                           <p:stCondLst>
                                             <p:cond delay="1338"/>
                                           </p:stCondLst>
                                         </p:cTn>
                                         <p:tgtEl>
-                                          <p:spTgt spid="44"/>
+                                          <p:spTgt spid="46"/>
                                         </p:tgtEl>
                                       </p:cBhvr>
                                       <p:to x="100000" y="100000"/>
                                     </p:animScale>
                                     <p:animScale>
                                       <p:cBhvr>
-                                        <p:cTn id="75" dur="26">
+                                        <p:cTn id="91" dur="26">
                                           <p:stCondLst>
                                             <p:cond delay="1642"/>
                                           </p:stCondLst>
                                         </p:cTn>
                                         <p:tgtEl>
-                                          <p:spTgt spid="44"/>
+                                          <p:spTgt spid="46"/>
                                         </p:tgtEl>
                                       </p:cBhvr>
                                       <p:to x="100000" y="90000"/>
                                     </p:animScale>
                                     <p:animScale>
                                       <p:cBhvr>
-                                        <p:cTn id="76" dur="166" decel="50000">
+                                        <p:cTn id="92" dur="166" decel="50000">
                                           <p:stCondLst>
                                             <p:cond delay="1668"/>
                                           </p:stCondLst>
                                         </p:cTn>
                                         <p:tgtEl>
-                                          <p:spTgt spid="44"/>
+                                          <p:spTgt spid="46"/>
                                         </p:tgtEl>
                                       </p:cBhvr>
                                       <p:to x="100000" y="100000"/>
                                     </p:animScale>
                                     <p:animScale>
                                       <p:cBhvr>
-                                        <p:cTn id="77" dur="26">
+                                        <p:cTn id="93" dur="26">
                                           <p:stCondLst>
                                             <p:cond delay="1808"/>
                                           </p:stCondLst>
                                         </p:cTn>
                                         <p:tgtEl>
-                                          <p:spTgt spid="44"/>
+                                          <p:spTgt spid="46"/>
                                         </p:tgtEl>
                                       </p:cBhvr>
                                       <p:to x="100000" y="95000"/>
                                     </p:animScale>
                                     <p:animScale>
                                       <p:cBhvr>
-                                        <p:cTn id="78" dur="166" decel="50000">
+                                        <p:cTn id="94" dur="166" decel="50000">
                                           <p:stCondLst>
                                             <p:cond delay="1834"/>
                                           </p:stCondLst>
                                         </p:cTn>
                                         <p:tgtEl>
-                                          <p:spTgt spid="44"/>
+                                          <p:spTgt spid="46"/>
                                         </p:tgtEl>
                                       </p:cBhvr>
                                       <p:to x="100000" y="100000"/>
@@ -6538,26 +6828,26 @@
                           </p:cTn>
                         </p:par>
                         <p:par>
-                          <p:cTn id="79" fill="hold">
+                          <p:cTn id="95" fill="hold">
                             <p:stCondLst>
-                              <p:cond delay="2500"/>
+                              <p:cond delay="3000"/>
                             </p:stCondLst>
                             <p:childTnLst>
                               <p:par>
-                                <p:cTn id="80" presetID="26" presetClass="entr" presetSubtype="0" fill="hold" nodeType="afterEffect">
+                                <p:cTn id="96" presetID="26" presetClass="entr" presetSubtype="0" fill="hold" nodeType="afterEffect">
                                   <p:stCondLst>
                                     <p:cond delay="0"/>
                                   </p:stCondLst>
                                   <p:childTnLst>
                                     <p:set>
                                       <p:cBhvr>
-                                        <p:cTn id="81" dur="1" fill="hold">
+                                        <p:cTn id="97" dur="1" fill="hold">
                                           <p:stCondLst>
                                             <p:cond delay="0"/>
                                           </p:stCondLst>
                                         </p:cTn>
                                         <p:tgtEl>
-                                          <p:spTgt spid="46"/>
+                                          <p:spTgt spid="44"/>
                                         </p:tgtEl>
                                         <p:attrNameLst>
                                           <p:attrName>style.visibility</p:attrName>
@@ -6569,25 +6859,25 @@
                                     </p:set>
                                     <p:animEffect transition="in" filter="wipe(down)">
                                       <p:cBhvr>
-                                        <p:cTn id="82" dur="580">
+                                        <p:cTn id="98" dur="580">
                                           <p:stCondLst>
                                             <p:cond delay="0"/>
                                           </p:stCondLst>
                                         </p:cTn>
                                         <p:tgtEl>
-                                          <p:spTgt spid="46"/>
+                                          <p:spTgt spid="44"/>
                                         </p:tgtEl>
                                       </p:cBhvr>
                                     </p:animEffect>
                                     <p:anim calcmode="lin" valueType="num">
                                       <p:cBhvr>
-                                        <p:cTn id="83" dur="1822" tmFilter="0,0; 0.14,0.36; 0.43,0.73; 0.71,0.91; 1.0,1.0">
+                                        <p:cTn id="99" dur="1822" tmFilter="0,0; 0.14,0.36; 0.43,0.73; 0.71,0.91; 1.0,1.0">
                                           <p:stCondLst>
                                             <p:cond delay="0"/>
                                           </p:stCondLst>
                                         </p:cTn>
                                         <p:tgtEl>
-                                          <p:spTgt spid="46"/>
+                                          <p:spTgt spid="44"/>
                                         </p:tgtEl>
                                         <p:attrNameLst>
                                           <p:attrName>ppt_x</p:attrName>
@@ -6608,13 +6898,13 @@
                                     </p:anim>
                                     <p:anim calcmode="lin" valueType="num">
                                       <p:cBhvr>
-                                        <p:cTn id="84" dur="664" tmFilter="0.0,0.0; 0.25,0.07; 0.50,0.2; 0.75,0.467; 1.0,1.0">
+                                        <p:cTn id="100" dur="664" tmFilter="0.0,0.0; 0.25,0.07; 0.50,0.2; 0.75,0.467; 1.0,1.0">
                                           <p:stCondLst>
                                             <p:cond delay="0"/>
                                           </p:stCondLst>
                                         </p:cTn>
                                         <p:tgtEl>
-                                          <p:spTgt spid="46"/>
+                                          <p:spTgt spid="44"/>
                                         </p:tgtEl>
                                         <p:attrNameLst>
                                           <p:attrName>ppt_y</p:attrName>
@@ -6635,13 +6925,13 @@
                                     </p:anim>
                                     <p:anim calcmode="lin" valueType="num">
                                       <p:cBhvr>
-                                        <p:cTn id="85" dur="664" tmFilter="0, 0; 0.125,0.2665; 0.25,0.4; 0.375,0.465; 0.5,0.5;  0.625,0.535; 0.75,0.6; 0.875,0.7335; 1,1">
+                                        <p:cTn id="101" dur="664" tmFilter="0, 0; 0.125,0.2665; 0.25,0.4; 0.375,0.465; 0.5,0.5;  0.625,0.535; 0.75,0.6; 0.875,0.7335; 1,1">
                                           <p:stCondLst>
                                             <p:cond delay="664"/>
                                           </p:stCondLst>
                                         </p:cTn>
                                         <p:tgtEl>
-                                          <p:spTgt spid="46"/>
+                                          <p:spTgt spid="44"/>
                                         </p:tgtEl>
                                         <p:attrNameLst>
                                           <p:attrName>ppt_y</p:attrName>
@@ -6662,13 +6952,13 @@
                                     </p:anim>
                                     <p:anim calcmode="lin" valueType="num">
                                       <p:cBhvr>
-                                        <p:cTn id="86" dur="332" tmFilter="0, 0; 0.125,0.2665; 0.25,0.4; 0.375,0.465; 0.5,0.5;  0.625,0.535; 0.75,0.6; 0.875,0.7335; 1,1">
+                                        <p:cTn id="102" dur="332" tmFilter="0, 0; 0.125,0.2665; 0.25,0.4; 0.375,0.465; 0.5,0.5;  0.625,0.535; 0.75,0.6; 0.875,0.7335; 1,1">
                                           <p:stCondLst>
                                             <p:cond delay="1324"/>
                                           </p:stCondLst>
                                         </p:cTn>
                                         <p:tgtEl>
-                                          <p:spTgt spid="46"/>
+                                          <p:spTgt spid="44"/>
                                         </p:tgtEl>
                                         <p:attrNameLst>
                                           <p:attrName>ppt_y</p:attrName>
@@ -6689,13 +6979,13 @@
                                     </p:anim>
                                     <p:anim calcmode="lin" valueType="num">
                                       <p:cBhvr>
-                                        <p:cTn id="87" dur="164" tmFilter="0, 0; 0.125,0.2665; 0.25,0.4; 0.375,0.465; 0.5,0.5;  0.625,0.535; 0.75,0.6; 0.875,0.7335; 1,1">
+                                        <p:cTn id="103" dur="164" tmFilter="0, 0; 0.125,0.2665; 0.25,0.4; 0.375,0.465; 0.5,0.5;  0.625,0.535; 0.75,0.6; 0.875,0.7335; 1,1">
                                           <p:stCondLst>
                                             <p:cond delay="1656"/>
                                           </p:stCondLst>
                                         </p:cTn>
                                         <p:tgtEl>
-                                          <p:spTgt spid="46"/>
+                                          <p:spTgt spid="44"/>
                                         </p:tgtEl>
                                         <p:attrNameLst>
                                           <p:attrName>ppt_y</p:attrName>
@@ -6716,104 +7006,104 @@
                                     </p:anim>
                                     <p:animScale>
                                       <p:cBhvr>
-                                        <p:cTn id="88" dur="26">
+                                        <p:cTn id="104" dur="26">
                                           <p:stCondLst>
                                             <p:cond delay="650"/>
                                           </p:stCondLst>
                                         </p:cTn>
                                         <p:tgtEl>
-                                          <p:spTgt spid="46"/>
+                                          <p:spTgt spid="44"/>
                                         </p:tgtEl>
                                       </p:cBhvr>
                                       <p:to x="100000" y="60000"/>
                                     </p:animScale>
                                     <p:animScale>
                                       <p:cBhvr>
-                                        <p:cTn id="89" dur="166" decel="50000">
+                                        <p:cTn id="105" dur="166" decel="50000">
                                           <p:stCondLst>
                                             <p:cond delay="676"/>
                                           </p:stCondLst>
                                         </p:cTn>
                                         <p:tgtEl>
-                                          <p:spTgt spid="46"/>
+                                          <p:spTgt spid="44"/>
                                         </p:tgtEl>
                                       </p:cBhvr>
                                       <p:to x="100000" y="100000"/>
                                     </p:animScale>
                                     <p:animScale>
                                       <p:cBhvr>
-                                        <p:cTn id="90" dur="26">
+                                        <p:cTn id="106" dur="26">
                                           <p:stCondLst>
                                             <p:cond delay="1312"/>
                                           </p:stCondLst>
                                         </p:cTn>
                                         <p:tgtEl>
-                                          <p:spTgt spid="46"/>
+                                          <p:spTgt spid="44"/>
                                         </p:tgtEl>
                                       </p:cBhvr>
                                       <p:to x="100000" y="80000"/>
                                     </p:animScale>
                                     <p:animScale>
                                       <p:cBhvr>
-                                        <p:cTn id="91" dur="166" decel="50000">
+                                        <p:cTn id="107" dur="166" decel="50000">
                                           <p:stCondLst>
                                             <p:cond delay="1338"/>
                                           </p:stCondLst>
                                         </p:cTn>
                                         <p:tgtEl>
-                                          <p:spTgt spid="46"/>
+                                          <p:spTgt spid="44"/>
                                         </p:tgtEl>
                                       </p:cBhvr>
                                       <p:to x="100000" y="100000"/>
                                     </p:animScale>
                                     <p:animScale>
                                       <p:cBhvr>
-                                        <p:cTn id="92" dur="26">
+                                        <p:cTn id="108" dur="26">
                                           <p:stCondLst>
                                             <p:cond delay="1642"/>
                                           </p:stCondLst>
                                         </p:cTn>
                                         <p:tgtEl>
-                                          <p:spTgt spid="46"/>
+                                          <p:spTgt spid="44"/>
                                         </p:tgtEl>
                                       </p:cBhvr>
                                       <p:to x="100000" y="90000"/>
                                     </p:animScale>
                                     <p:animScale>
                                       <p:cBhvr>
-                                        <p:cTn id="93" dur="166" decel="50000">
+                                        <p:cTn id="109" dur="166" decel="50000">
                                           <p:stCondLst>
                                             <p:cond delay="1668"/>
                                           </p:stCondLst>
                                         </p:cTn>
                                         <p:tgtEl>
-                                          <p:spTgt spid="46"/>
+                                          <p:spTgt spid="44"/>
                                         </p:tgtEl>
                                       </p:cBhvr>
                                       <p:to x="100000" y="100000"/>
                                     </p:animScale>
                                     <p:animScale>
                                       <p:cBhvr>
-                                        <p:cTn id="94" dur="26">
+                                        <p:cTn id="110" dur="26">
                                           <p:stCondLst>
                                             <p:cond delay="1808"/>
                                           </p:stCondLst>
                                         </p:cTn>
                                         <p:tgtEl>
-                                          <p:spTgt spid="46"/>
+                                          <p:spTgt spid="44"/>
                                         </p:tgtEl>
                                       </p:cBhvr>
                                       <p:to x="100000" y="95000"/>
                                     </p:animScale>
                                     <p:animScale>
                                       <p:cBhvr>
-                                        <p:cTn id="95" dur="166" decel="50000">
+                                        <p:cTn id="111" dur="166" decel="50000">
                                           <p:stCondLst>
                                             <p:cond delay="1834"/>
                                           </p:stCondLst>
                                         </p:cTn>
                                         <p:tgtEl>
-                                          <p:spTgt spid="46"/>
+                                          <p:spTgt spid="44"/>
                                         </p:tgtEl>
                                       </p:cBhvr>
                                       <p:to x="100000" y="100000"/>
@@ -6825,20 +7115,20 @@
                           </p:cTn>
                         </p:par>
                         <p:par>
-                          <p:cTn id="96" fill="hold">
+                          <p:cTn id="112" fill="hold">
                             <p:stCondLst>
-                              <p:cond delay="4500"/>
+                              <p:cond delay="5000"/>
                             </p:stCondLst>
                             <p:childTnLst>
                               <p:par>
-                                <p:cTn id="97" presetID="26" presetClass="entr" presetSubtype="0" fill="hold" nodeType="afterEffect">
+                                <p:cTn id="113" presetID="26" presetClass="entr" presetSubtype="0" fill="hold" nodeType="afterEffect">
                                   <p:stCondLst>
                                     <p:cond delay="0"/>
                                   </p:stCondLst>
                                   <p:childTnLst>
                                     <p:set>
                                       <p:cBhvr>
-                                        <p:cTn id="98" dur="1" fill="hold">
+                                        <p:cTn id="114" dur="1" fill="hold">
                                           <p:stCondLst>
                                             <p:cond delay="0"/>
                                           </p:stCondLst>
@@ -6856,7 +7146,7 @@
                                     </p:set>
                                     <p:animEffect transition="in" filter="wipe(down)">
                                       <p:cBhvr>
-                                        <p:cTn id="99" dur="580">
+                                        <p:cTn id="115" dur="580">
                                           <p:stCondLst>
                                             <p:cond delay="0"/>
                                           </p:stCondLst>
@@ -6868,7 +7158,7 @@
                                     </p:animEffect>
                                     <p:anim calcmode="lin" valueType="num">
                                       <p:cBhvr>
-                                        <p:cTn id="100" dur="1822" tmFilter="0,0; 0.14,0.36; 0.43,0.73; 0.71,0.91; 1.0,1.0">
+                                        <p:cTn id="116" dur="1822" tmFilter="0,0; 0.14,0.36; 0.43,0.73; 0.71,0.91; 1.0,1.0">
                                           <p:stCondLst>
                                             <p:cond delay="0"/>
                                           </p:stCondLst>
@@ -6895,7 +7185,7 @@
                                     </p:anim>
                                     <p:anim calcmode="lin" valueType="num">
                                       <p:cBhvr>
-                                        <p:cTn id="101" dur="664" tmFilter="0.0,0.0; 0.25,0.07; 0.50,0.2; 0.75,0.467; 1.0,1.0">
+                                        <p:cTn id="117" dur="664" tmFilter="0.0,0.0; 0.25,0.07; 0.50,0.2; 0.75,0.467; 1.0,1.0">
                                           <p:stCondLst>
                                             <p:cond delay="0"/>
                                           </p:stCondLst>
@@ -6922,7 +7212,7 @@
                                     </p:anim>
                                     <p:anim calcmode="lin" valueType="num">
                                       <p:cBhvr>
-                                        <p:cTn id="102" dur="664" tmFilter="0, 0; 0.125,0.2665; 0.25,0.4; 0.375,0.465; 0.5,0.5;  0.625,0.535; 0.75,0.6; 0.875,0.7335; 1,1">
+                                        <p:cTn id="118" dur="664" tmFilter="0, 0; 0.125,0.2665; 0.25,0.4; 0.375,0.465; 0.5,0.5;  0.625,0.535; 0.75,0.6; 0.875,0.7335; 1,1">
                                           <p:stCondLst>
                                             <p:cond delay="664"/>
                                           </p:stCondLst>
@@ -6949,7 +7239,7 @@
                                     </p:anim>
                                     <p:anim calcmode="lin" valueType="num">
                                       <p:cBhvr>
-                                        <p:cTn id="103" dur="332" tmFilter="0, 0; 0.125,0.2665; 0.25,0.4; 0.375,0.465; 0.5,0.5;  0.625,0.535; 0.75,0.6; 0.875,0.7335; 1,1">
+                                        <p:cTn id="119" dur="332" tmFilter="0, 0; 0.125,0.2665; 0.25,0.4; 0.375,0.465; 0.5,0.5;  0.625,0.535; 0.75,0.6; 0.875,0.7335; 1,1">
                                           <p:stCondLst>
                                             <p:cond delay="1324"/>
                                           </p:stCondLst>
@@ -6976,7 +7266,7 @@
                                     </p:anim>
                                     <p:anim calcmode="lin" valueType="num">
                                       <p:cBhvr>
-                                        <p:cTn id="104" dur="164" tmFilter="0, 0; 0.125,0.2665; 0.25,0.4; 0.375,0.465; 0.5,0.5;  0.625,0.535; 0.75,0.6; 0.875,0.7335; 1,1">
+                                        <p:cTn id="120" dur="164" tmFilter="0, 0; 0.125,0.2665; 0.25,0.4; 0.375,0.465; 0.5,0.5;  0.625,0.535; 0.75,0.6; 0.875,0.7335; 1,1">
                                           <p:stCondLst>
                                             <p:cond delay="1656"/>
                                           </p:stCondLst>
@@ -7003,7 +7293,7 @@
                                     </p:anim>
                                     <p:animScale>
                                       <p:cBhvr>
-                                        <p:cTn id="105" dur="26">
+                                        <p:cTn id="121" dur="26">
                                           <p:stCondLst>
                                             <p:cond delay="650"/>
                                           </p:stCondLst>
@@ -7016,7 +7306,7 @@
                                     </p:animScale>
                                     <p:animScale>
                                       <p:cBhvr>
-                                        <p:cTn id="106" dur="166" decel="50000">
+                                        <p:cTn id="122" dur="166" decel="50000">
                                           <p:stCondLst>
                                             <p:cond delay="676"/>
                                           </p:stCondLst>
@@ -7029,7 +7319,7 @@
                                     </p:animScale>
                                     <p:animScale>
                                       <p:cBhvr>
-                                        <p:cTn id="107" dur="26">
+                                        <p:cTn id="123" dur="26">
                                           <p:stCondLst>
                                             <p:cond delay="1312"/>
                                           </p:stCondLst>
@@ -7042,7 +7332,7 @@
                                     </p:animScale>
                                     <p:animScale>
                                       <p:cBhvr>
-                                        <p:cTn id="108" dur="166" decel="50000">
+                                        <p:cTn id="124" dur="166" decel="50000">
                                           <p:stCondLst>
                                             <p:cond delay="1338"/>
                                           </p:stCondLst>
@@ -7055,7 +7345,7 @@
                                     </p:animScale>
                                     <p:animScale>
                                       <p:cBhvr>
-                                        <p:cTn id="109" dur="26">
+                                        <p:cTn id="125" dur="26">
                                           <p:stCondLst>
                                             <p:cond delay="1642"/>
                                           </p:stCondLst>
@@ -7068,7 +7358,7 @@
                                     </p:animScale>
                                     <p:animScale>
                                       <p:cBhvr>
-                                        <p:cTn id="110" dur="166" decel="50000">
+                                        <p:cTn id="126" dur="166" decel="50000">
                                           <p:stCondLst>
                                             <p:cond delay="1668"/>
                                           </p:stCondLst>
@@ -7081,7 +7371,7 @@
                                     </p:animScale>
                                     <p:animScale>
                                       <p:cBhvr>
-                                        <p:cTn id="111" dur="26">
+                                        <p:cTn id="127" dur="26">
                                           <p:stCondLst>
                                             <p:cond delay="1808"/>
                                           </p:stCondLst>
@@ -7094,7 +7384,7 @@
                                     </p:animScale>
                                     <p:animScale>
                                       <p:cBhvr>
-                                        <p:cTn id="112" dur="166" decel="50000">
+                                        <p:cTn id="128" dur="166" decel="50000">
                                           <p:stCondLst>
                                             <p:cond delay="1834"/>
                                           </p:stCondLst>
@@ -7105,6 +7395,97 @@
                                       </p:cBhvr>
                                       <p:to x="100000" y="100000"/>
                                     </p:animScale>
+                                  </p:childTnLst>
+                                </p:cTn>
+                              </p:par>
+                            </p:childTnLst>
+                          </p:cTn>
+                        </p:par>
+                      </p:childTnLst>
+                    </p:cTn>
+                  </p:par>
+                  <p:par>
+                    <p:cTn id="129" fill="hold">
+                      <p:stCondLst>
+                        <p:cond delay="indefinite"/>
+                      </p:stCondLst>
+                      <p:childTnLst>
+                        <p:par>
+                          <p:cTn id="130" fill="hold">
+                            <p:stCondLst>
+                              <p:cond delay="0"/>
+                            </p:stCondLst>
+                            <p:childTnLst>
+                              <p:par>
+                                <p:cTn id="131" presetID="2" presetClass="entr" presetSubtype="4" fill="hold" grpId="0" nodeType="clickEffect">
+                                  <p:stCondLst>
+                                    <p:cond delay="0"/>
+                                  </p:stCondLst>
+                                  <p:childTnLst>
+                                    <p:set>
+                                      <p:cBhvr>
+                                        <p:cTn id="132" dur="1" fill="hold">
+                                          <p:stCondLst>
+                                            <p:cond delay="0"/>
+                                          </p:stCondLst>
+                                        </p:cTn>
+                                        <p:tgtEl>
+                                          <p:spTgt spid="20"/>
+                                        </p:tgtEl>
+                                        <p:attrNameLst>
+                                          <p:attrName>style.visibility</p:attrName>
+                                        </p:attrNameLst>
+                                      </p:cBhvr>
+                                      <p:to>
+                                        <p:strVal val="visible"/>
+                                      </p:to>
+                                    </p:set>
+                                    <p:anim calcmode="lin" valueType="num">
+                                      <p:cBhvr additive="base">
+                                        <p:cTn id="133" dur="500" fill="hold"/>
+                                        <p:tgtEl>
+                                          <p:spTgt spid="20"/>
+                                        </p:tgtEl>
+                                        <p:attrNameLst>
+                                          <p:attrName>ppt_x</p:attrName>
+                                        </p:attrNameLst>
+                                      </p:cBhvr>
+                                      <p:tavLst>
+                                        <p:tav tm="0">
+                                          <p:val>
+                                            <p:strVal val="#ppt_x"/>
+                                          </p:val>
+                                        </p:tav>
+                                        <p:tav tm="100000">
+                                          <p:val>
+                                            <p:strVal val="#ppt_x"/>
+                                          </p:val>
+                                        </p:tav>
+                                      </p:tavLst>
+                                    </p:anim>
+                                    <p:anim calcmode="lin" valueType="num">
+                                      <p:cBhvr additive="base">
+                                        <p:cTn id="134" dur="500" fill="hold"/>
+                                        <p:tgtEl>
+                                          <p:spTgt spid="20"/>
+                                        </p:tgtEl>
+                                        <p:attrNameLst>
+                                          <p:attrName>ppt_y</p:attrName>
+                                        </p:attrNameLst>
+                                      </p:cBhvr>
+                                      <p:tavLst>
+                                        <p:tav tm="0">
+                                          <p:val>
+                                            <p:strVal val="1+#ppt_h/2"/>
+                                          </p:val>
+                                        </p:tav>
+                                        <p:tav tm="100000">
+                                          <p:val>
+                                            <p:strVal val="#ppt_y"/>
+                                          </p:val>
+                                        </p:tav>
+                                      </p:tavLst>
+                                    </p:anim>
                                   </p:childTnLst>
                                 </p:cTn>
                               </p:par>
@@ -7136,9 +7517,11 @@
       </p:par>
     </p:tnLst>
     <p:bldLst>
+      <p:bldP spid="13" grpId="0"/>
       <p:bldP spid="19" grpId="0"/>
       <p:bldP spid="24" grpId="0"/>
       <p:bldP spid="49" grpId="0"/>
+      <p:bldP spid="20" grpId="0"/>
     </p:bldLst>
   </p:timing>
 </p:sld>
